--- a/Task2/Task2_ppt.pptx
+++ b/Task2/Task2_ppt.pptx
@@ -30,7 +30,6 @@
     <p:sldId id="285" r:id="rId24"/>
     <p:sldId id="286" r:id="rId25"/>
     <p:sldId id="287" r:id="rId26"/>
-    <p:sldId id="277" r:id="rId27"/>
   </p:sldIdLst>
   <p:sldSz cx="12192000" cy="6858000"/>
   <p:notesSz cx="6858000" cy="9144000"/>
@@ -159,7 +158,7 @@
           <p:cNvPr id="8" name="Picture Placeholder 7">
             <a:extLst>
               <a:ext uri="{FF2B5EF4-FFF2-40B4-BE49-F238E27FC236}">
-                <a16:creationId xmlns="" xmlns:a16="http://schemas.microsoft.com/office/drawing/2014/main" id="{DF9C7667-EADA-40AC-B931-4642E0A9A4DE}"/>
+                <a16:creationId xmlns:a16="http://schemas.microsoft.com/office/drawing/2014/main" xmlns="" id="{DF9C7667-EADA-40AC-B931-4642E0A9A4DE}"/>
               </a:ext>
             </a:extLst>
           </p:cNvPr>
@@ -211,7 +210,7 @@
           <p:cNvPr id="2" name="Title 1">
             <a:extLst>
               <a:ext uri="{FF2B5EF4-FFF2-40B4-BE49-F238E27FC236}">
-                <a16:creationId xmlns="" xmlns:a16="http://schemas.microsoft.com/office/drawing/2014/main" id="{43379CA9-81D6-424A-8046-4B56E1D25059}"/>
+                <a16:creationId xmlns:a16="http://schemas.microsoft.com/office/drawing/2014/main" xmlns="" id="{43379CA9-81D6-424A-8046-4B56E1D25059}"/>
               </a:ext>
             </a:extLst>
           </p:cNvPr>
@@ -288,7 +287,7 @@
           <p:cNvPr id="2" name="Title 1">
             <a:extLst>
               <a:ext uri="{FF2B5EF4-FFF2-40B4-BE49-F238E27FC236}">
-                <a16:creationId xmlns="" xmlns:a16="http://schemas.microsoft.com/office/drawing/2014/main" id="{43379CA9-81D6-424A-8046-4B56E1D25059}"/>
+                <a16:creationId xmlns:a16="http://schemas.microsoft.com/office/drawing/2014/main" xmlns="" id="{43379CA9-81D6-424A-8046-4B56E1D25059}"/>
               </a:ext>
             </a:extLst>
           </p:cNvPr>
@@ -330,7 +329,7 @@
           <p:cNvPr id="9" name="Picture Placeholder 8">
             <a:extLst>
               <a:ext uri="{FF2B5EF4-FFF2-40B4-BE49-F238E27FC236}">
-                <a16:creationId xmlns="" xmlns:a16="http://schemas.microsoft.com/office/drawing/2014/main" id="{B2F51F73-5064-47F8-83FD-440E0ED1950B}"/>
+                <a16:creationId xmlns:a16="http://schemas.microsoft.com/office/drawing/2014/main" xmlns="" id="{B2F51F73-5064-47F8-83FD-440E0ED1950B}"/>
               </a:ext>
             </a:extLst>
           </p:cNvPr>
@@ -371,7 +370,7 @@
           <p:cNvPr id="18" name="Picture Placeholder 8">
             <a:extLst>
               <a:ext uri="{FF2B5EF4-FFF2-40B4-BE49-F238E27FC236}">
-                <a16:creationId xmlns="" xmlns:a16="http://schemas.microsoft.com/office/drawing/2014/main" id="{06FF689A-8221-42E8-96D4-ED4D3AD501F8}"/>
+                <a16:creationId xmlns:a16="http://schemas.microsoft.com/office/drawing/2014/main" xmlns="" id="{06FF689A-8221-42E8-96D4-ED4D3AD501F8}"/>
               </a:ext>
             </a:extLst>
           </p:cNvPr>
@@ -412,7 +411,7 @@
           <p:cNvPr id="19" name="Picture Placeholder 8">
             <a:extLst>
               <a:ext uri="{FF2B5EF4-FFF2-40B4-BE49-F238E27FC236}">
-                <a16:creationId xmlns="" xmlns:a16="http://schemas.microsoft.com/office/drawing/2014/main" id="{96424DB2-4D46-493F-A5B8-8901EDA394F2}"/>
+                <a16:creationId xmlns:a16="http://schemas.microsoft.com/office/drawing/2014/main" xmlns="" id="{96424DB2-4D46-493F-A5B8-8901EDA394F2}"/>
               </a:ext>
             </a:extLst>
           </p:cNvPr>
@@ -453,7 +452,7 @@
           <p:cNvPr id="20" name="Picture Placeholder 8">
             <a:extLst>
               <a:ext uri="{FF2B5EF4-FFF2-40B4-BE49-F238E27FC236}">
-                <a16:creationId xmlns="" xmlns:a16="http://schemas.microsoft.com/office/drawing/2014/main" id="{0AF2B6E1-5738-41B1-8C15-EA6715490140}"/>
+                <a16:creationId xmlns:a16="http://schemas.microsoft.com/office/drawing/2014/main" xmlns="" id="{0AF2B6E1-5738-41B1-8C15-EA6715490140}"/>
               </a:ext>
             </a:extLst>
           </p:cNvPr>
@@ -494,7 +493,7 @@
           <p:cNvPr id="21" name="Picture Placeholder 8">
             <a:extLst>
               <a:ext uri="{FF2B5EF4-FFF2-40B4-BE49-F238E27FC236}">
-                <a16:creationId xmlns="" xmlns:a16="http://schemas.microsoft.com/office/drawing/2014/main" id="{6C8D73EB-347C-4E13-94C8-FA8FADE46559}"/>
+                <a16:creationId xmlns:a16="http://schemas.microsoft.com/office/drawing/2014/main" xmlns="" id="{6C8D73EB-347C-4E13-94C8-FA8FADE46559}"/>
               </a:ext>
             </a:extLst>
           </p:cNvPr>
@@ -535,7 +534,7 @@
           <p:cNvPr id="22" name="Picture Placeholder 8">
             <a:extLst>
               <a:ext uri="{FF2B5EF4-FFF2-40B4-BE49-F238E27FC236}">
-                <a16:creationId xmlns="" xmlns:a16="http://schemas.microsoft.com/office/drawing/2014/main" id="{9DFA5C56-9B47-4F87-8E12-30A936274F1B}"/>
+                <a16:creationId xmlns:a16="http://schemas.microsoft.com/office/drawing/2014/main" xmlns="" id="{9DFA5C56-9B47-4F87-8E12-30A936274F1B}"/>
               </a:ext>
             </a:extLst>
           </p:cNvPr>
@@ -576,7 +575,7 @@
           <p:cNvPr id="23" name="Picture Placeholder 8">
             <a:extLst>
               <a:ext uri="{FF2B5EF4-FFF2-40B4-BE49-F238E27FC236}">
-                <a16:creationId xmlns="" xmlns:a16="http://schemas.microsoft.com/office/drawing/2014/main" id="{1E3B5888-98ED-48E4-8AA8-5BAB43F8516C}"/>
+                <a16:creationId xmlns:a16="http://schemas.microsoft.com/office/drawing/2014/main" xmlns="" id="{1E3B5888-98ED-48E4-8AA8-5BAB43F8516C}"/>
               </a:ext>
             </a:extLst>
           </p:cNvPr>
@@ -617,7 +616,7 @@
           <p:cNvPr id="24" name="Picture Placeholder 8">
             <a:extLst>
               <a:ext uri="{FF2B5EF4-FFF2-40B4-BE49-F238E27FC236}">
-                <a16:creationId xmlns="" xmlns:a16="http://schemas.microsoft.com/office/drawing/2014/main" id="{569C9EE3-34D1-4DE0-B06C-2F6212F7C329}"/>
+                <a16:creationId xmlns:a16="http://schemas.microsoft.com/office/drawing/2014/main" xmlns="" id="{569C9EE3-34D1-4DE0-B06C-2F6212F7C329}"/>
               </a:ext>
             </a:extLst>
           </p:cNvPr>
@@ -688,7 +687,7 @@
           <p:cNvPr id="8" name="Rectangle 7">
             <a:extLst>
               <a:ext uri="{FF2B5EF4-FFF2-40B4-BE49-F238E27FC236}">
-                <a16:creationId xmlns="" xmlns:a16="http://schemas.microsoft.com/office/drawing/2014/main" id="{5462B86F-90E5-425E-9F83-8477D8111E1D}"/>
+                <a16:creationId xmlns:a16="http://schemas.microsoft.com/office/drawing/2014/main" xmlns="" id="{5462B86F-90E5-425E-9F83-8477D8111E1D}"/>
               </a:ext>
             </a:extLst>
           </p:cNvPr>
@@ -740,7 +739,7 @@
           <p:cNvPr id="9" name="Rectangle 8">
             <a:extLst>
               <a:ext uri="{FF2B5EF4-FFF2-40B4-BE49-F238E27FC236}">
-                <a16:creationId xmlns="" xmlns:a16="http://schemas.microsoft.com/office/drawing/2014/main" id="{F5269853-3C2C-4F9C-B1BB-E00F7A1DB9E1}"/>
+                <a16:creationId xmlns:a16="http://schemas.microsoft.com/office/drawing/2014/main" xmlns="" id="{F5269853-3C2C-4F9C-B1BB-E00F7A1DB9E1}"/>
               </a:ext>
             </a:extLst>
           </p:cNvPr>
@@ -792,7 +791,7 @@
           <p:cNvPr id="11" name="Rectangle 10">
             <a:extLst>
               <a:ext uri="{FF2B5EF4-FFF2-40B4-BE49-F238E27FC236}">
-                <a16:creationId xmlns="" xmlns:a16="http://schemas.microsoft.com/office/drawing/2014/main" id="{93759D58-52AF-4785-8A33-F528F46D88A3}"/>
+                <a16:creationId xmlns:a16="http://schemas.microsoft.com/office/drawing/2014/main" xmlns="" id="{93759D58-52AF-4785-8A33-F528F46D88A3}"/>
               </a:ext>
             </a:extLst>
           </p:cNvPr>
@@ -844,7 +843,7 @@
           <p:cNvPr id="12" name="Rectangle 11">
             <a:extLst>
               <a:ext uri="{FF2B5EF4-FFF2-40B4-BE49-F238E27FC236}">
-                <a16:creationId xmlns="" xmlns:a16="http://schemas.microsoft.com/office/drawing/2014/main" id="{6AD3E0F4-EC0D-43C2-AC84-A53134C8566E}"/>
+                <a16:creationId xmlns:a16="http://schemas.microsoft.com/office/drawing/2014/main" xmlns="" id="{6AD3E0F4-EC0D-43C2-AC84-A53134C8566E}"/>
               </a:ext>
             </a:extLst>
           </p:cNvPr>
@@ -896,7 +895,7 @@
           <p:cNvPr id="2" name="Title 1">
             <a:extLst>
               <a:ext uri="{FF2B5EF4-FFF2-40B4-BE49-F238E27FC236}">
-                <a16:creationId xmlns="" xmlns:a16="http://schemas.microsoft.com/office/drawing/2014/main" id="{43379CA9-81D6-424A-8046-4B56E1D25059}"/>
+                <a16:creationId xmlns:a16="http://schemas.microsoft.com/office/drawing/2014/main" xmlns="" id="{43379CA9-81D6-424A-8046-4B56E1D25059}"/>
               </a:ext>
             </a:extLst>
           </p:cNvPr>
@@ -940,7 +939,7 @@
           <p:cNvPr id="10" name="Text Placeholder 9">
             <a:extLst>
               <a:ext uri="{FF2B5EF4-FFF2-40B4-BE49-F238E27FC236}">
-                <a16:creationId xmlns="" xmlns:a16="http://schemas.microsoft.com/office/drawing/2014/main" id="{2A60302F-65DB-4E93-B6C3-49E64C44FB53}"/>
+                <a16:creationId xmlns:a16="http://schemas.microsoft.com/office/drawing/2014/main" xmlns="" id="{2A60302F-65DB-4E93-B6C3-49E64C44FB53}"/>
               </a:ext>
             </a:extLst>
           </p:cNvPr>
@@ -1008,7 +1007,7 @@
           <p:cNvPr id="7" name="Picture Placeholder 6">
             <a:extLst>
               <a:ext uri="{FF2B5EF4-FFF2-40B4-BE49-F238E27FC236}">
-                <a16:creationId xmlns="" xmlns:a16="http://schemas.microsoft.com/office/drawing/2014/main" id="{9A66F217-0E52-4AD8-82BA-AB332C59638C}"/>
+                <a16:creationId xmlns:a16="http://schemas.microsoft.com/office/drawing/2014/main" xmlns="" id="{9A66F217-0E52-4AD8-82BA-AB332C59638C}"/>
               </a:ext>
             </a:extLst>
           </p:cNvPr>
@@ -1094,7 +1093,7 @@
           <p:cNvPr id="2" name="Title 1">
             <a:extLst>
               <a:ext uri="{FF2B5EF4-FFF2-40B4-BE49-F238E27FC236}">
-                <a16:creationId xmlns="" xmlns:a16="http://schemas.microsoft.com/office/drawing/2014/main" id="{43379CA9-81D6-424A-8046-4B56E1D25059}"/>
+                <a16:creationId xmlns:a16="http://schemas.microsoft.com/office/drawing/2014/main" xmlns="" id="{43379CA9-81D6-424A-8046-4B56E1D25059}"/>
               </a:ext>
             </a:extLst>
           </p:cNvPr>
@@ -1136,7 +1135,7 @@
           <p:cNvPr id="9" name="Picture Placeholder 8">
             <a:extLst>
               <a:ext uri="{FF2B5EF4-FFF2-40B4-BE49-F238E27FC236}">
-                <a16:creationId xmlns="" xmlns:a16="http://schemas.microsoft.com/office/drawing/2014/main" id="{B2F51F73-5064-47F8-83FD-440E0ED1950B}"/>
+                <a16:creationId xmlns:a16="http://schemas.microsoft.com/office/drawing/2014/main" xmlns="" id="{B2F51F73-5064-47F8-83FD-440E0ED1950B}"/>
               </a:ext>
             </a:extLst>
           </p:cNvPr>
@@ -1177,7 +1176,7 @@
           <p:cNvPr id="18" name="Picture Placeholder 8">
             <a:extLst>
               <a:ext uri="{FF2B5EF4-FFF2-40B4-BE49-F238E27FC236}">
-                <a16:creationId xmlns="" xmlns:a16="http://schemas.microsoft.com/office/drawing/2014/main" id="{06FF689A-8221-42E8-96D4-ED4D3AD501F8}"/>
+                <a16:creationId xmlns:a16="http://schemas.microsoft.com/office/drawing/2014/main" xmlns="" id="{06FF689A-8221-42E8-96D4-ED4D3AD501F8}"/>
               </a:ext>
             </a:extLst>
           </p:cNvPr>
@@ -1218,7 +1217,7 @@
           <p:cNvPr id="19" name="Picture Placeholder 8">
             <a:extLst>
               <a:ext uri="{FF2B5EF4-FFF2-40B4-BE49-F238E27FC236}">
-                <a16:creationId xmlns="" xmlns:a16="http://schemas.microsoft.com/office/drawing/2014/main" id="{96424DB2-4D46-493F-A5B8-8901EDA394F2}"/>
+                <a16:creationId xmlns:a16="http://schemas.microsoft.com/office/drawing/2014/main" xmlns="" id="{96424DB2-4D46-493F-A5B8-8901EDA394F2}"/>
               </a:ext>
             </a:extLst>
           </p:cNvPr>
@@ -1259,7 +1258,7 @@
           <p:cNvPr id="20" name="Picture Placeholder 8">
             <a:extLst>
               <a:ext uri="{FF2B5EF4-FFF2-40B4-BE49-F238E27FC236}">
-                <a16:creationId xmlns="" xmlns:a16="http://schemas.microsoft.com/office/drawing/2014/main" id="{0AF2B6E1-5738-41B1-8C15-EA6715490140}"/>
+                <a16:creationId xmlns:a16="http://schemas.microsoft.com/office/drawing/2014/main" xmlns="" id="{0AF2B6E1-5738-41B1-8C15-EA6715490140}"/>
               </a:ext>
             </a:extLst>
           </p:cNvPr>
@@ -1300,7 +1299,7 @@
           <p:cNvPr id="21" name="Picture Placeholder 8">
             <a:extLst>
               <a:ext uri="{FF2B5EF4-FFF2-40B4-BE49-F238E27FC236}">
-                <a16:creationId xmlns="" xmlns:a16="http://schemas.microsoft.com/office/drawing/2014/main" id="{6C8D73EB-347C-4E13-94C8-FA8FADE46559}"/>
+                <a16:creationId xmlns:a16="http://schemas.microsoft.com/office/drawing/2014/main" xmlns="" id="{6C8D73EB-347C-4E13-94C8-FA8FADE46559}"/>
               </a:ext>
             </a:extLst>
           </p:cNvPr>
@@ -1341,7 +1340,7 @@
           <p:cNvPr id="22" name="Picture Placeholder 8">
             <a:extLst>
               <a:ext uri="{FF2B5EF4-FFF2-40B4-BE49-F238E27FC236}">
-                <a16:creationId xmlns="" xmlns:a16="http://schemas.microsoft.com/office/drawing/2014/main" id="{9DFA5C56-9B47-4F87-8E12-30A936274F1B}"/>
+                <a16:creationId xmlns:a16="http://schemas.microsoft.com/office/drawing/2014/main" xmlns="" id="{9DFA5C56-9B47-4F87-8E12-30A936274F1B}"/>
               </a:ext>
             </a:extLst>
           </p:cNvPr>
@@ -1382,7 +1381,7 @@
           <p:cNvPr id="23" name="Picture Placeholder 8">
             <a:extLst>
               <a:ext uri="{FF2B5EF4-FFF2-40B4-BE49-F238E27FC236}">
-                <a16:creationId xmlns="" xmlns:a16="http://schemas.microsoft.com/office/drawing/2014/main" id="{1E3B5888-98ED-48E4-8AA8-5BAB43F8516C}"/>
+                <a16:creationId xmlns:a16="http://schemas.microsoft.com/office/drawing/2014/main" xmlns="" id="{1E3B5888-98ED-48E4-8AA8-5BAB43F8516C}"/>
               </a:ext>
             </a:extLst>
           </p:cNvPr>
@@ -1423,7 +1422,7 @@
           <p:cNvPr id="24" name="Picture Placeholder 8">
             <a:extLst>
               <a:ext uri="{FF2B5EF4-FFF2-40B4-BE49-F238E27FC236}">
-                <a16:creationId xmlns="" xmlns:a16="http://schemas.microsoft.com/office/drawing/2014/main" id="{569C9EE3-34D1-4DE0-B06C-2F6212F7C329}"/>
+                <a16:creationId xmlns:a16="http://schemas.microsoft.com/office/drawing/2014/main" xmlns="" id="{569C9EE3-34D1-4DE0-B06C-2F6212F7C329}"/>
               </a:ext>
             </a:extLst>
           </p:cNvPr>
@@ -1494,7 +1493,7 @@
           <p:cNvPr id="8" name="Rectangle 7">
             <a:extLst>
               <a:ext uri="{FF2B5EF4-FFF2-40B4-BE49-F238E27FC236}">
-                <a16:creationId xmlns="" xmlns:a16="http://schemas.microsoft.com/office/drawing/2014/main" id="{53A3BC27-A809-4F76-931E-2DE01059A5AB}"/>
+                <a16:creationId xmlns:a16="http://schemas.microsoft.com/office/drawing/2014/main" xmlns="" id="{53A3BC27-A809-4F76-931E-2DE01059A5AB}"/>
               </a:ext>
             </a:extLst>
           </p:cNvPr>
@@ -1546,7 +1545,7 @@
           <p:cNvPr id="9" name="Rectangle 8">
             <a:extLst>
               <a:ext uri="{FF2B5EF4-FFF2-40B4-BE49-F238E27FC236}">
-                <a16:creationId xmlns="" xmlns:a16="http://schemas.microsoft.com/office/drawing/2014/main" id="{D96A5108-5EBA-43CE-BA4A-DA9EEF5D808A}"/>
+                <a16:creationId xmlns:a16="http://schemas.microsoft.com/office/drawing/2014/main" xmlns="" id="{D96A5108-5EBA-43CE-BA4A-DA9EEF5D808A}"/>
               </a:ext>
             </a:extLst>
           </p:cNvPr>
@@ -1598,7 +1597,7 @@
           <p:cNvPr id="11" name="Rectangle 10">
             <a:extLst>
               <a:ext uri="{FF2B5EF4-FFF2-40B4-BE49-F238E27FC236}">
-                <a16:creationId xmlns="" xmlns:a16="http://schemas.microsoft.com/office/drawing/2014/main" id="{E2712910-50D0-4906-AB08-F37D02F96D4A}"/>
+                <a16:creationId xmlns:a16="http://schemas.microsoft.com/office/drawing/2014/main" xmlns="" id="{E2712910-50D0-4906-AB08-F37D02F96D4A}"/>
               </a:ext>
             </a:extLst>
           </p:cNvPr>
@@ -1650,7 +1649,7 @@
           <p:cNvPr id="12" name="Rectangle 11">
             <a:extLst>
               <a:ext uri="{FF2B5EF4-FFF2-40B4-BE49-F238E27FC236}">
-                <a16:creationId xmlns="" xmlns:a16="http://schemas.microsoft.com/office/drawing/2014/main" id="{7DAC760C-BE23-4DA2-A294-3B5668F8AECA}"/>
+                <a16:creationId xmlns:a16="http://schemas.microsoft.com/office/drawing/2014/main" xmlns="" id="{7DAC760C-BE23-4DA2-A294-3B5668F8AECA}"/>
               </a:ext>
             </a:extLst>
           </p:cNvPr>
@@ -1702,7 +1701,7 @@
           <p:cNvPr id="2" name="Title 1">
             <a:extLst>
               <a:ext uri="{FF2B5EF4-FFF2-40B4-BE49-F238E27FC236}">
-                <a16:creationId xmlns="" xmlns:a16="http://schemas.microsoft.com/office/drawing/2014/main" id="{43379CA9-81D6-424A-8046-4B56E1D25059}"/>
+                <a16:creationId xmlns:a16="http://schemas.microsoft.com/office/drawing/2014/main" xmlns="" id="{43379CA9-81D6-424A-8046-4B56E1D25059}"/>
               </a:ext>
             </a:extLst>
           </p:cNvPr>
@@ -1744,7 +1743,7 @@
           <p:cNvPr id="10" name="Text Placeholder 9">
             <a:extLst>
               <a:ext uri="{FF2B5EF4-FFF2-40B4-BE49-F238E27FC236}">
-                <a16:creationId xmlns="" xmlns:a16="http://schemas.microsoft.com/office/drawing/2014/main" id="{2A60302F-65DB-4E93-B6C3-49E64C44FB53}"/>
+                <a16:creationId xmlns:a16="http://schemas.microsoft.com/office/drawing/2014/main" xmlns="" id="{2A60302F-65DB-4E93-B6C3-49E64C44FB53}"/>
               </a:ext>
             </a:extLst>
           </p:cNvPr>
@@ -1812,7 +1811,7 @@
           <p:cNvPr id="7" name="Picture Placeholder 6">
             <a:extLst>
               <a:ext uri="{FF2B5EF4-FFF2-40B4-BE49-F238E27FC236}">
-                <a16:creationId xmlns="" xmlns:a16="http://schemas.microsoft.com/office/drawing/2014/main" id="{9A66F217-0E52-4AD8-82BA-AB332C59638C}"/>
+                <a16:creationId xmlns:a16="http://schemas.microsoft.com/office/drawing/2014/main" xmlns="" id="{9A66F217-0E52-4AD8-82BA-AB332C59638C}"/>
               </a:ext>
             </a:extLst>
           </p:cNvPr>
@@ -1901,7 +1900,7 @@
           <p:cNvPr id="8" name="Picture Placeholder 7">
             <a:extLst>
               <a:ext uri="{FF2B5EF4-FFF2-40B4-BE49-F238E27FC236}">
-                <a16:creationId xmlns="" xmlns:a16="http://schemas.microsoft.com/office/drawing/2014/main" id="{DF9C7667-EADA-40AC-B931-4642E0A9A4DE}"/>
+                <a16:creationId xmlns:a16="http://schemas.microsoft.com/office/drawing/2014/main" xmlns="" id="{DF9C7667-EADA-40AC-B931-4642E0A9A4DE}"/>
               </a:ext>
             </a:extLst>
           </p:cNvPr>
@@ -1953,7 +1952,7 @@
           <p:cNvPr id="2" name="Title 1">
             <a:extLst>
               <a:ext uri="{FF2B5EF4-FFF2-40B4-BE49-F238E27FC236}">
-                <a16:creationId xmlns="" xmlns:a16="http://schemas.microsoft.com/office/drawing/2014/main" id="{43379CA9-81D6-424A-8046-4B56E1D25059}"/>
+                <a16:creationId xmlns:a16="http://schemas.microsoft.com/office/drawing/2014/main" xmlns="" id="{43379CA9-81D6-424A-8046-4B56E1D25059}"/>
               </a:ext>
             </a:extLst>
           </p:cNvPr>
@@ -1990,7 +1989,7 @@
           <p:cNvPr id="10" name="Text Placeholder 9">
             <a:extLst>
               <a:ext uri="{FF2B5EF4-FFF2-40B4-BE49-F238E27FC236}">
-                <a16:creationId xmlns="" xmlns:a16="http://schemas.microsoft.com/office/drawing/2014/main" id="{2A60302F-65DB-4E93-B6C3-49E64C44FB53}"/>
+                <a16:creationId xmlns:a16="http://schemas.microsoft.com/office/drawing/2014/main" xmlns="" id="{2A60302F-65DB-4E93-B6C3-49E64C44FB53}"/>
               </a:ext>
             </a:extLst>
           </p:cNvPr>
@@ -2058,7 +2057,7 @@
           <p:cNvPr id="7" name="Text Placeholder 6">
             <a:extLst>
               <a:ext uri="{FF2B5EF4-FFF2-40B4-BE49-F238E27FC236}">
-                <a16:creationId xmlns="" xmlns:a16="http://schemas.microsoft.com/office/drawing/2014/main" id="{EC1CB8E8-F58A-4B26-B8AA-8977FC608E83}"/>
+                <a16:creationId xmlns:a16="http://schemas.microsoft.com/office/drawing/2014/main" xmlns="" id="{EC1CB8E8-F58A-4B26-B8AA-8977FC608E83}"/>
               </a:ext>
             </a:extLst>
           </p:cNvPr>
@@ -2176,7 +2175,7 @@
           <p:cNvPr id="2" name="Title 1">
             <a:extLst>
               <a:ext uri="{FF2B5EF4-FFF2-40B4-BE49-F238E27FC236}">
-                <a16:creationId xmlns="" xmlns:a16="http://schemas.microsoft.com/office/drawing/2014/main" id="{43379CA9-81D6-424A-8046-4B56E1D25059}"/>
+                <a16:creationId xmlns:a16="http://schemas.microsoft.com/office/drawing/2014/main" xmlns="" id="{43379CA9-81D6-424A-8046-4B56E1D25059}"/>
               </a:ext>
             </a:extLst>
           </p:cNvPr>
@@ -2218,7 +2217,7 @@
           <p:cNvPr id="9" name="Picture Placeholder 8">
             <a:extLst>
               <a:ext uri="{FF2B5EF4-FFF2-40B4-BE49-F238E27FC236}">
-                <a16:creationId xmlns="" xmlns:a16="http://schemas.microsoft.com/office/drawing/2014/main" id="{B2F51F73-5064-47F8-83FD-440E0ED1950B}"/>
+                <a16:creationId xmlns:a16="http://schemas.microsoft.com/office/drawing/2014/main" xmlns="" id="{B2F51F73-5064-47F8-83FD-440E0ED1950B}"/>
               </a:ext>
             </a:extLst>
           </p:cNvPr>
@@ -2259,7 +2258,7 @@
           <p:cNvPr id="18" name="Picture Placeholder 8">
             <a:extLst>
               <a:ext uri="{FF2B5EF4-FFF2-40B4-BE49-F238E27FC236}">
-                <a16:creationId xmlns="" xmlns:a16="http://schemas.microsoft.com/office/drawing/2014/main" id="{06FF689A-8221-42E8-96D4-ED4D3AD501F8}"/>
+                <a16:creationId xmlns:a16="http://schemas.microsoft.com/office/drawing/2014/main" xmlns="" id="{06FF689A-8221-42E8-96D4-ED4D3AD501F8}"/>
               </a:ext>
             </a:extLst>
           </p:cNvPr>
@@ -2300,7 +2299,7 @@
           <p:cNvPr id="19" name="Picture Placeholder 8">
             <a:extLst>
               <a:ext uri="{FF2B5EF4-FFF2-40B4-BE49-F238E27FC236}">
-                <a16:creationId xmlns="" xmlns:a16="http://schemas.microsoft.com/office/drawing/2014/main" id="{96424DB2-4D46-493F-A5B8-8901EDA394F2}"/>
+                <a16:creationId xmlns:a16="http://schemas.microsoft.com/office/drawing/2014/main" xmlns="" id="{96424DB2-4D46-493F-A5B8-8901EDA394F2}"/>
               </a:ext>
             </a:extLst>
           </p:cNvPr>
@@ -2341,7 +2340,7 @@
           <p:cNvPr id="20" name="Picture Placeholder 8">
             <a:extLst>
               <a:ext uri="{FF2B5EF4-FFF2-40B4-BE49-F238E27FC236}">
-                <a16:creationId xmlns="" xmlns:a16="http://schemas.microsoft.com/office/drawing/2014/main" id="{0AF2B6E1-5738-41B1-8C15-EA6715490140}"/>
+                <a16:creationId xmlns:a16="http://schemas.microsoft.com/office/drawing/2014/main" xmlns="" id="{0AF2B6E1-5738-41B1-8C15-EA6715490140}"/>
               </a:ext>
             </a:extLst>
           </p:cNvPr>
@@ -2382,7 +2381,7 @@
           <p:cNvPr id="21" name="Picture Placeholder 8">
             <a:extLst>
               <a:ext uri="{FF2B5EF4-FFF2-40B4-BE49-F238E27FC236}">
-                <a16:creationId xmlns="" xmlns:a16="http://schemas.microsoft.com/office/drawing/2014/main" id="{6C8D73EB-347C-4E13-94C8-FA8FADE46559}"/>
+                <a16:creationId xmlns:a16="http://schemas.microsoft.com/office/drawing/2014/main" xmlns="" id="{6C8D73EB-347C-4E13-94C8-FA8FADE46559}"/>
               </a:ext>
             </a:extLst>
           </p:cNvPr>
@@ -2423,7 +2422,7 @@
           <p:cNvPr id="22" name="Picture Placeholder 8">
             <a:extLst>
               <a:ext uri="{FF2B5EF4-FFF2-40B4-BE49-F238E27FC236}">
-                <a16:creationId xmlns="" xmlns:a16="http://schemas.microsoft.com/office/drawing/2014/main" id="{9DFA5C56-9B47-4F87-8E12-30A936274F1B}"/>
+                <a16:creationId xmlns:a16="http://schemas.microsoft.com/office/drawing/2014/main" xmlns="" id="{9DFA5C56-9B47-4F87-8E12-30A936274F1B}"/>
               </a:ext>
             </a:extLst>
           </p:cNvPr>
@@ -2464,7 +2463,7 @@
           <p:cNvPr id="23" name="Picture Placeholder 8">
             <a:extLst>
               <a:ext uri="{FF2B5EF4-FFF2-40B4-BE49-F238E27FC236}">
-                <a16:creationId xmlns="" xmlns:a16="http://schemas.microsoft.com/office/drawing/2014/main" id="{1E3B5888-98ED-48E4-8AA8-5BAB43F8516C}"/>
+                <a16:creationId xmlns:a16="http://schemas.microsoft.com/office/drawing/2014/main" xmlns="" id="{1E3B5888-98ED-48E4-8AA8-5BAB43F8516C}"/>
               </a:ext>
             </a:extLst>
           </p:cNvPr>
@@ -2505,7 +2504,7 @@
           <p:cNvPr id="24" name="Picture Placeholder 8">
             <a:extLst>
               <a:ext uri="{FF2B5EF4-FFF2-40B4-BE49-F238E27FC236}">
-                <a16:creationId xmlns="" xmlns:a16="http://schemas.microsoft.com/office/drawing/2014/main" id="{569C9EE3-34D1-4DE0-B06C-2F6212F7C329}"/>
+                <a16:creationId xmlns:a16="http://schemas.microsoft.com/office/drawing/2014/main" xmlns="" id="{569C9EE3-34D1-4DE0-B06C-2F6212F7C329}"/>
               </a:ext>
             </a:extLst>
           </p:cNvPr>
@@ -2576,7 +2575,7 @@
           <p:cNvPr id="11" name="Rectangle 10">
             <a:extLst>
               <a:ext uri="{FF2B5EF4-FFF2-40B4-BE49-F238E27FC236}">
-                <a16:creationId xmlns="" xmlns:a16="http://schemas.microsoft.com/office/drawing/2014/main" id="{50869985-B973-4011-9FA2-83D7EBB2EA53}"/>
+                <a16:creationId xmlns:a16="http://schemas.microsoft.com/office/drawing/2014/main" xmlns="" id="{50869985-B973-4011-9FA2-83D7EBB2EA53}"/>
               </a:ext>
             </a:extLst>
           </p:cNvPr>
@@ -2628,7 +2627,7 @@
           <p:cNvPr id="2" name="Title 1">
             <a:extLst>
               <a:ext uri="{FF2B5EF4-FFF2-40B4-BE49-F238E27FC236}">
-                <a16:creationId xmlns="" xmlns:a16="http://schemas.microsoft.com/office/drawing/2014/main" id="{43379CA9-81D6-424A-8046-4B56E1D25059}"/>
+                <a16:creationId xmlns:a16="http://schemas.microsoft.com/office/drawing/2014/main" xmlns="" id="{43379CA9-81D6-424A-8046-4B56E1D25059}"/>
               </a:ext>
             </a:extLst>
           </p:cNvPr>
@@ -2670,7 +2669,7 @@
           <p:cNvPr id="10" name="Text Placeholder 9">
             <a:extLst>
               <a:ext uri="{FF2B5EF4-FFF2-40B4-BE49-F238E27FC236}">
-                <a16:creationId xmlns="" xmlns:a16="http://schemas.microsoft.com/office/drawing/2014/main" id="{2A60302F-65DB-4E93-B6C3-49E64C44FB53}"/>
+                <a16:creationId xmlns:a16="http://schemas.microsoft.com/office/drawing/2014/main" xmlns="" id="{2A60302F-65DB-4E93-B6C3-49E64C44FB53}"/>
               </a:ext>
             </a:extLst>
           </p:cNvPr>
@@ -2738,7 +2737,7 @@
           <p:cNvPr id="7" name="Picture Placeholder 6">
             <a:extLst>
               <a:ext uri="{FF2B5EF4-FFF2-40B4-BE49-F238E27FC236}">
-                <a16:creationId xmlns="" xmlns:a16="http://schemas.microsoft.com/office/drawing/2014/main" id="{9A66F217-0E52-4AD8-82BA-AB332C59638C}"/>
+                <a16:creationId xmlns:a16="http://schemas.microsoft.com/office/drawing/2014/main" xmlns="" id="{9A66F217-0E52-4AD8-82BA-AB332C59638C}"/>
               </a:ext>
             </a:extLst>
           </p:cNvPr>
@@ -2784,7 +2783,7 @@
           <p:cNvPr id="8" name="Rectangle 7">
             <a:extLst>
               <a:ext uri="{FF2B5EF4-FFF2-40B4-BE49-F238E27FC236}">
-                <a16:creationId xmlns="" xmlns:a16="http://schemas.microsoft.com/office/drawing/2014/main" id="{E75D44F0-DADD-4DCC-82EC-FDB3E9878AA9}"/>
+                <a16:creationId xmlns:a16="http://schemas.microsoft.com/office/drawing/2014/main" xmlns="" id="{E75D44F0-DADD-4DCC-82EC-FDB3E9878AA9}"/>
               </a:ext>
             </a:extLst>
           </p:cNvPr>
@@ -2836,7 +2835,7 @@
           <p:cNvPr id="9" name="Rectangle 8">
             <a:extLst>
               <a:ext uri="{FF2B5EF4-FFF2-40B4-BE49-F238E27FC236}">
-                <a16:creationId xmlns="" xmlns:a16="http://schemas.microsoft.com/office/drawing/2014/main" id="{28CFE2C9-8B6E-4DDA-A5EA-04581F7629F0}"/>
+                <a16:creationId xmlns:a16="http://schemas.microsoft.com/office/drawing/2014/main" xmlns="" id="{28CFE2C9-8B6E-4DDA-A5EA-04581F7629F0}"/>
               </a:ext>
             </a:extLst>
           </p:cNvPr>
@@ -2975,7 +2974,7 @@
           <p:cNvPr id="12" name="Title 1">
             <a:extLst>
               <a:ext uri="{FF2B5EF4-FFF2-40B4-BE49-F238E27FC236}">
-                <a16:creationId xmlns="" xmlns:a16="http://schemas.microsoft.com/office/drawing/2014/main" id="{96FEDCD9-19A7-423B-ABE0-DDD032DE8879}"/>
+                <a16:creationId xmlns:a16="http://schemas.microsoft.com/office/drawing/2014/main" xmlns="" id="{96FEDCD9-19A7-423B-ABE0-DDD032DE8879}"/>
               </a:ext>
             </a:extLst>
           </p:cNvPr>
@@ -3016,7 +3015,7 @@
           <p:cNvPr id="14" name="Text Placeholder 9">
             <a:extLst>
               <a:ext uri="{FF2B5EF4-FFF2-40B4-BE49-F238E27FC236}">
-                <a16:creationId xmlns="" xmlns:a16="http://schemas.microsoft.com/office/drawing/2014/main" id="{EBD7372B-17B4-4062-8BFA-745581B27349}"/>
+                <a16:creationId xmlns:a16="http://schemas.microsoft.com/office/drawing/2014/main" xmlns="" id="{EBD7372B-17B4-4062-8BFA-745581B27349}"/>
               </a:ext>
             </a:extLst>
           </p:cNvPr>
@@ -3081,7 +3080,7 @@
           <p:cNvPr id="3" name="Picture Placeholder 2">
             <a:extLst>
               <a:ext uri="{FF2B5EF4-FFF2-40B4-BE49-F238E27FC236}">
-                <a16:creationId xmlns="" xmlns:a16="http://schemas.microsoft.com/office/drawing/2014/main" id="{C09A28F9-9D68-48A2-A1AD-C1C318C0EC8D}"/>
+                <a16:creationId xmlns:a16="http://schemas.microsoft.com/office/drawing/2014/main" xmlns="" id="{C09A28F9-9D68-48A2-A1AD-C1C318C0EC8D}"/>
               </a:ext>
             </a:extLst>
           </p:cNvPr>
@@ -3544,7 +3543,7 @@
           <p:cNvPr id="2" name="Title 1">
             <a:extLst>
               <a:ext uri="{FF2B5EF4-FFF2-40B4-BE49-F238E27FC236}">
-                <a16:creationId xmlns="" xmlns:a16="http://schemas.microsoft.com/office/drawing/2014/main" id="{43379CA9-81D6-424A-8046-4B56E1D25059}"/>
+                <a16:creationId xmlns:a16="http://schemas.microsoft.com/office/drawing/2014/main" xmlns="" id="{43379CA9-81D6-424A-8046-4B56E1D25059}"/>
               </a:ext>
             </a:extLst>
           </p:cNvPr>
@@ -3586,7 +3585,7 @@
           <p:cNvPr id="9" name="Picture Placeholder 8">
             <a:extLst>
               <a:ext uri="{FF2B5EF4-FFF2-40B4-BE49-F238E27FC236}">
-                <a16:creationId xmlns="" xmlns:a16="http://schemas.microsoft.com/office/drawing/2014/main" id="{B2F51F73-5064-47F8-83FD-440E0ED1950B}"/>
+                <a16:creationId xmlns:a16="http://schemas.microsoft.com/office/drawing/2014/main" xmlns="" id="{B2F51F73-5064-47F8-83FD-440E0ED1950B}"/>
               </a:ext>
             </a:extLst>
           </p:cNvPr>
@@ -3627,7 +3626,7 @@
           <p:cNvPr id="18" name="Picture Placeholder 8">
             <a:extLst>
               <a:ext uri="{FF2B5EF4-FFF2-40B4-BE49-F238E27FC236}">
-                <a16:creationId xmlns="" xmlns:a16="http://schemas.microsoft.com/office/drawing/2014/main" id="{06FF689A-8221-42E8-96D4-ED4D3AD501F8}"/>
+                <a16:creationId xmlns:a16="http://schemas.microsoft.com/office/drawing/2014/main" xmlns="" id="{06FF689A-8221-42E8-96D4-ED4D3AD501F8}"/>
               </a:ext>
             </a:extLst>
           </p:cNvPr>
@@ -3668,7 +3667,7 @@
           <p:cNvPr id="19" name="Picture Placeholder 8">
             <a:extLst>
               <a:ext uri="{FF2B5EF4-FFF2-40B4-BE49-F238E27FC236}">
-                <a16:creationId xmlns="" xmlns:a16="http://schemas.microsoft.com/office/drawing/2014/main" id="{96424DB2-4D46-493F-A5B8-8901EDA394F2}"/>
+                <a16:creationId xmlns:a16="http://schemas.microsoft.com/office/drawing/2014/main" xmlns="" id="{96424DB2-4D46-493F-A5B8-8901EDA394F2}"/>
               </a:ext>
             </a:extLst>
           </p:cNvPr>
@@ -3709,7 +3708,7 @@
           <p:cNvPr id="20" name="Picture Placeholder 8">
             <a:extLst>
               <a:ext uri="{FF2B5EF4-FFF2-40B4-BE49-F238E27FC236}">
-                <a16:creationId xmlns="" xmlns:a16="http://schemas.microsoft.com/office/drawing/2014/main" id="{0AF2B6E1-5738-41B1-8C15-EA6715490140}"/>
+                <a16:creationId xmlns:a16="http://schemas.microsoft.com/office/drawing/2014/main" xmlns="" id="{0AF2B6E1-5738-41B1-8C15-EA6715490140}"/>
               </a:ext>
             </a:extLst>
           </p:cNvPr>
@@ -3750,7 +3749,7 @@
           <p:cNvPr id="21" name="Picture Placeholder 8">
             <a:extLst>
               <a:ext uri="{FF2B5EF4-FFF2-40B4-BE49-F238E27FC236}">
-                <a16:creationId xmlns="" xmlns:a16="http://schemas.microsoft.com/office/drawing/2014/main" id="{6C8D73EB-347C-4E13-94C8-FA8FADE46559}"/>
+                <a16:creationId xmlns:a16="http://schemas.microsoft.com/office/drawing/2014/main" xmlns="" id="{6C8D73EB-347C-4E13-94C8-FA8FADE46559}"/>
               </a:ext>
             </a:extLst>
           </p:cNvPr>
@@ -3791,7 +3790,7 @@
           <p:cNvPr id="22" name="Picture Placeholder 8">
             <a:extLst>
               <a:ext uri="{FF2B5EF4-FFF2-40B4-BE49-F238E27FC236}">
-                <a16:creationId xmlns="" xmlns:a16="http://schemas.microsoft.com/office/drawing/2014/main" id="{9DFA5C56-9B47-4F87-8E12-30A936274F1B}"/>
+                <a16:creationId xmlns:a16="http://schemas.microsoft.com/office/drawing/2014/main" xmlns="" id="{9DFA5C56-9B47-4F87-8E12-30A936274F1B}"/>
               </a:ext>
             </a:extLst>
           </p:cNvPr>
@@ -3832,7 +3831,7 @@
           <p:cNvPr id="23" name="Picture Placeholder 8">
             <a:extLst>
               <a:ext uri="{FF2B5EF4-FFF2-40B4-BE49-F238E27FC236}">
-                <a16:creationId xmlns="" xmlns:a16="http://schemas.microsoft.com/office/drawing/2014/main" id="{1E3B5888-98ED-48E4-8AA8-5BAB43F8516C}"/>
+                <a16:creationId xmlns:a16="http://schemas.microsoft.com/office/drawing/2014/main" xmlns="" id="{1E3B5888-98ED-48E4-8AA8-5BAB43F8516C}"/>
               </a:ext>
             </a:extLst>
           </p:cNvPr>
@@ -3873,7 +3872,7 @@
           <p:cNvPr id="24" name="Picture Placeholder 8">
             <a:extLst>
               <a:ext uri="{FF2B5EF4-FFF2-40B4-BE49-F238E27FC236}">
-                <a16:creationId xmlns="" xmlns:a16="http://schemas.microsoft.com/office/drawing/2014/main" id="{569C9EE3-34D1-4DE0-B06C-2F6212F7C329}"/>
+                <a16:creationId xmlns:a16="http://schemas.microsoft.com/office/drawing/2014/main" xmlns="" id="{569C9EE3-34D1-4DE0-B06C-2F6212F7C329}"/>
               </a:ext>
             </a:extLst>
           </p:cNvPr>
@@ -3944,7 +3943,7 @@
           <p:cNvPr id="8" name="Rectangle 7">
             <a:extLst>
               <a:ext uri="{FF2B5EF4-FFF2-40B4-BE49-F238E27FC236}">
-                <a16:creationId xmlns="" xmlns:a16="http://schemas.microsoft.com/office/drawing/2014/main" id="{C186ECD6-DF3C-4CA6-9A77-ED32AC37F81F}"/>
+                <a16:creationId xmlns:a16="http://schemas.microsoft.com/office/drawing/2014/main" xmlns="" id="{C186ECD6-DF3C-4CA6-9A77-ED32AC37F81F}"/>
               </a:ext>
             </a:extLst>
           </p:cNvPr>
@@ -3996,7 +3995,7 @@
           <p:cNvPr id="9" name="Rectangle 8">
             <a:extLst>
               <a:ext uri="{FF2B5EF4-FFF2-40B4-BE49-F238E27FC236}">
-                <a16:creationId xmlns="" xmlns:a16="http://schemas.microsoft.com/office/drawing/2014/main" id="{8D3F081E-4462-4B33-A41E-0432A3B439D9}"/>
+                <a16:creationId xmlns:a16="http://schemas.microsoft.com/office/drawing/2014/main" xmlns="" id="{8D3F081E-4462-4B33-A41E-0432A3B439D9}"/>
               </a:ext>
             </a:extLst>
           </p:cNvPr>
@@ -4048,7 +4047,7 @@
           <p:cNvPr id="11" name="Rectangle 10">
             <a:extLst>
               <a:ext uri="{FF2B5EF4-FFF2-40B4-BE49-F238E27FC236}">
-                <a16:creationId xmlns="" xmlns:a16="http://schemas.microsoft.com/office/drawing/2014/main" id="{C05FA2D1-6BF4-4194-B815-8C66D013FD27}"/>
+                <a16:creationId xmlns:a16="http://schemas.microsoft.com/office/drawing/2014/main" xmlns="" id="{C05FA2D1-6BF4-4194-B815-8C66D013FD27}"/>
               </a:ext>
             </a:extLst>
           </p:cNvPr>
@@ -4100,7 +4099,7 @@
           <p:cNvPr id="12" name="Rectangle 11">
             <a:extLst>
               <a:ext uri="{FF2B5EF4-FFF2-40B4-BE49-F238E27FC236}">
-                <a16:creationId xmlns="" xmlns:a16="http://schemas.microsoft.com/office/drawing/2014/main" id="{DC88F0DF-BC0B-473C-82DC-7FC46D38FAC1}"/>
+                <a16:creationId xmlns:a16="http://schemas.microsoft.com/office/drawing/2014/main" xmlns="" id="{DC88F0DF-BC0B-473C-82DC-7FC46D38FAC1}"/>
               </a:ext>
             </a:extLst>
           </p:cNvPr>
@@ -4152,7 +4151,7 @@
           <p:cNvPr id="10" name="Text Placeholder 9">
             <a:extLst>
               <a:ext uri="{FF2B5EF4-FFF2-40B4-BE49-F238E27FC236}">
-                <a16:creationId xmlns="" xmlns:a16="http://schemas.microsoft.com/office/drawing/2014/main" id="{2A60302F-65DB-4E93-B6C3-49E64C44FB53}"/>
+                <a16:creationId xmlns:a16="http://schemas.microsoft.com/office/drawing/2014/main" xmlns="" id="{2A60302F-65DB-4E93-B6C3-49E64C44FB53}"/>
               </a:ext>
             </a:extLst>
           </p:cNvPr>
@@ -4220,7 +4219,7 @@
           <p:cNvPr id="7" name="Picture Placeholder 6">
             <a:extLst>
               <a:ext uri="{FF2B5EF4-FFF2-40B4-BE49-F238E27FC236}">
-                <a16:creationId xmlns="" xmlns:a16="http://schemas.microsoft.com/office/drawing/2014/main" id="{9A66F217-0E52-4AD8-82BA-AB332C59638C}"/>
+                <a16:creationId xmlns:a16="http://schemas.microsoft.com/office/drawing/2014/main" xmlns="" id="{9A66F217-0E52-4AD8-82BA-AB332C59638C}"/>
               </a:ext>
             </a:extLst>
           </p:cNvPr>
@@ -4266,7 +4265,7 @@
           <p:cNvPr id="13" name="Rectangle 12">
             <a:extLst>
               <a:ext uri="{FF2B5EF4-FFF2-40B4-BE49-F238E27FC236}">
-                <a16:creationId xmlns="" xmlns:a16="http://schemas.microsoft.com/office/drawing/2014/main" id="{FDF3E524-6AEB-4529-804C-0B9CD9992050}"/>
+                <a16:creationId xmlns:a16="http://schemas.microsoft.com/office/drawing/2014/main" xmlns="" id="{FDF3E524-6AEB-4529-804C-0B9CD9992050}"/>
               </a:ext>
             </a:extLst>
           </p:cNvPr>
@@ -4318,7 +4317,7 @@
           <p:cNvPr id="14" name="Straight Connector 13">
             <a:extLst>
               <a:ext uri="{FF2B5EF4-FFF2-40B4-BE49-F238E27FC236}">
-                <a16:creationId xmlns="" xmlns:a16="http://schemas.microsoft.com/office/drawing/2014/main" id="{4CFF2CAC-AD21-48FA-AD68-A643AAA6A8C4}"/>
+                <a16:creationId xmlns:a16="http://schemas.microsoft.com/office/drawing/2014/main" xmlns="" id="{4CFF2CAC-AD21-48FA-AD68-A643AAA6A8C4}"/>
               </a:ext>
             </a:extLst>
           </p:cNvPr>
@@ -4361,7 +4360,7 @@
           <p:cNvPr id="2" name="Title 1">
             <a:extLst>
               <a:ext uri="{FF2B5EF4-FFF2-40B4-BE49-F238E27FC236}">
-                <a16:creationId xmlns="" xmlns:a16="http://schemas.microsoft.com/office/drawing/2014/main" id="{43379CA9-81D6-424A-8046-4B56E1D25059}"/>
+                <a16:creationId xmlns:a16="http://schemas.microsoft.com/office/drawing/2014/main" xmlns="" id="{43379CA9-81D6-424A-8046-4B56E1D25059}"/>
               </a:ext>
             </a:extLst>
           </p:cNvPr>
@@ -4482,7 +4481,7 @@
           <p:cNvPr id="2" name="Title Placeholder 1">
             <a:extLst>
               <a:ext uri="{FF2B5EF4-FFF2-40B4-BE49-F238E27FC236}">
-                <a16:creationId xmlns="" xmlns:a16="http://schemas.microsoft.com/office/drawing/2014/main" id="{2C80DF88-AC53-41A3-8067-D7E6D5DB195F}"/>
+                <a16:creationId xmlns:a16="http://schemas.microsoft.com/office/drawing/2014/main" xmlns="" id="{2C80DF88-AC53-41A3-8067-D7E6D5DB195F}"/>
               </a:ext>
             </a:extLst>
           </p:cNvPr>
@@ -4521,7 +4520,7 @@
           <p:cNvPr id="4" name="Date Placeholder 3">
             <a:extLst>
               <a:ext uri="{FF2B5EF4-FFF2-40B4-BE49-F238E27FC236}">
-                <a16:creationId xmlns="" xmlns:a16="http://schemas.microsoft.com/office/drawing/2014/main" id="{EA4755C1-18CC-4FD3-A030-3DAF469919A6}"/>
+                <a16:creationId xmlns:a16="http://schemas.microsoft.com/office/drawing/2014/main" xmlns="" id="{EA4755C1-18CC-4FD3-A030-3DAF469919A6}"/>
               </a:ext>
             </a:extLst>
           </p:cNvPr>
@@ -4568,7 +4567,7 @@
           <p:cNvPr id="5" name="Footer Placeholder 4">
             <a:extLst>
               <a:ext uri="{FF2B5EF4-FFF2-40B4-BE49-F238E27FC236}">
-                <a16:creationId xmlns="" xmlns:a16="http://schemas.microsoft.com/office/drawing/2014/main" id="{A8E029F1-B791-445F-A184-90CC7A1BEC19}"/>
+                <a16:creationId xmlns:a16="http://schemas.microsoft.com/office/drawing/2014/main" xmlns="" id="{A8E029F1-B791-445F-A184-90CC7A1BEC19}"/>
               </a:ext>
             </a:extLst>
           </p:cNvPr>
@@ -4611,7 +4610,7 @@
           <p:cNvPr id="6" name="Slide Number Placeholder 5">
             <a:extLst>
               <a:ext uri="{FF2B5EF4-FFF2-40B4-BE49-F238E27FC236}">
-                <a16:creationId xmlns="" xmlns:a16="http://schemas.microsoft.com/office/drawing/2014/main" id="{5AD98767-7C9E-42DE-9782-D932A0FF1BF4}"/>
+                <a16:creationId xmlns:a16="http://schemas.microsoft.com/office/drawing/2014/main" xmlns="" id="{5AD98767-7C9E-42DE-9782-D932A0FF1BF4}"/>
               </a:ext>
             </a:extLst>
           </p:cNvPr>
@@ -5046,7 +5045,7 @@
           <p:cNvPr id="2" name="Title Placeholder 1">
             <a:extLst>
               <a:ext uri="{FF2B5EF4-FFF2-40B4-BE49-F238E27FC236}">
-                <a16:creationId xmlns="" xmlns:a16="http://schemas.microsoft.com/office/drawing/2014/main" id="{2C80DF88-AC53-41A3-8067-D7E6D5DB195F}"/>
+                <a16:creationId xmlns:a16="http://schemas.microsoft.com/office/drawing/2014/main" xmlns="" id="{2C80DF88-AC53-41A3-8067-D7E6D5DB195F}"/>
               </a:ext>
             </a:extLst>
           </p:cNvPr>
@@ -5085,7 +5084,7 @@
           <p:cNvPr id="4" name="Date Placeholder 3">
             <a:extLst>
               <a:ext uri="{FF2B5EF4-FFF2-40B4-BE49-F238E27FC236}">
-                <a16:creationId xmlns="" xmlns:a16="http://schemas.microsoft.com/office/drawing/2014/main" id="{EA4755C1-18CC-4FD3-A030-3DAF469919A6}"/>
+                <a16:creationId xmlns:a16="http://schemas.microsoft.com/office/drawing/2014/main" xmlns="" id="{EA4755C1-18CC-4FD3-A030-3DAF469919A6}"/>
               </a:ext>
             </a:extLst>
           </p:cNvPr>
@@ -5132,7 +5131,7 @@
           <p:cNvPr id="5" name="Footer Placeholder 4">
             <a:extLst>
               <a:ext uri="{FF2B5EF4-FFF2-40B4-BE49-F238E27FC236}">
-                <a16:creationId xmlns="" xmlns:a16="http://schemas.microsoft.com/office/drawing/2014/main" id="{A8E029F1-B791-445F-A184-90CC7A1BEC19}"/>
+                <a16:creationId xmlns:a16="http://schemas.microsoft.com/office/drawing/2014/main" xmlns="" id="{A8E029F1-B791-445F-A184-90CC7A1BEC19}"/>
               </a:ext>
             </a:extLst>
           </p:cNvPr>
@@ -5175,7 +5174,7 @@
           <p:cNvPr id="6" name="Slide Number Placeholder 5">
             <a:extLst>
               <a:ext uri="{FF2B5EF4-FFF2-40B4-BE49-F238E27FC236}">
-                <a16:creationId xmlns="" xmlns:a16="http://schemas.microsoft.com/office/drawing/2014/main" id="{5AD98767-7C9E-42DE-9782-D932A0FF1BF4}"/>
+                <a16:creationId xmlns:a16="http://schemas.microsoft.com/office/drawing/2014/main" xmlns="" id="{5AD98767-7C9E-42DE-9782-D932A0FF1BF4}"/>
               </a:ext>
             </a:extLst>
           </p:cNvPr>
@@ -5605,7 +5604,7 @@
           <p:cNvPr id="2" name="Title Placeholder 1">
             <a:extLst>
               <a:ext uri="{FF2B5EF4-FFF2-40B4-BE49-F238E27FC236}">
-                <a16:creationId xmlns="" xmlns:a16="http://schemas.microsoft.com/office/drawing/2014/main" id="{2C80DF88-AC53-41A3-8067-D7E6D5DB195F}"/>
+                <a16:creationId xmlns:a16="http://schemas.microsoft.com/office/drawing/2014/main" xmlns="" id="{2C80DF88-AC53-41A3-8067-D7E6D5DB195F}"/>
               </a:ext>
             </a:extLst>
           </p:cNvPr>
@@ -5644,7 +5643,7 @@
           <p:cNvPr id="4" name="Date Placeholder 3">
             <a:extLst>
               <a:ext uri="{FF2B5EF4-FFF2-40B4-BE49-F238E27FC236}">
-                <a16:creationId xmlns="" xmlns:a16="http://schemas.microsoft.com/office/drawing/2014/main" id="{EA4755C1-18CC-4FD3-A030-3DAF469919A6}"/>
+                <a16:creationId xmlns:a16="http://schemas.microsoft.com/office/drawing/2014/main" xmlns="" id="{EA4755C1-18CC-4FD3-A030-3DAF469919A6}"/>
               </a:ext>
             </a:extLst>
           </p:cNvPr>
@@ -5691,7 +5690,7 @@
           <p:cNvPr id="5" name="Footer Placeholder 4">
             <a:extLst>
               <a:ext uri="{FF2B5EF4-FFF2-40B4-BE49-F238E27FC236}">
-                <a16:creationId xmlns="" xmlns:a16="http://schemas.microsoft.com/office/drawing/2014/main" id="{A8E029F1-B791-445F-A184-90CC7A1BEC19}"/>
+                <a16:creationId xmlns:a16="http://schemas.microsoft.com/office/drawing/2014/main" xmlns="" id="{A8E029F1-B791-445F-A184-90CC7A1BEC19}"/>
               </a:ext>
             </a:extLst>
           </p:cNvPr>
@@ -5734,7 +5733,7 @@
           <p:cNvPr id="6" name="Slide Number Placeholder 5">
             <a:extLst>
               <a:ext uri="{FF2B5EF4-FFF2-40B4-BE49-F238E27FC236}">
-                <a16:creationId xmlns="" xmlns:a16="http://schemas.microsoft.com/office/drawing/2014/main" id="{5AD98767-7C9E-42DE-9782-D932A0FF1BF4}"/>
+                <a16:creationId xmlns:a16="http://schemas.microsoft.com/office/drawing/2014/main" xmlns="" id="{5AD98767-7C9E-42DE-9782-D932A0FF1BF4}"/>
               </a:ext>
             </a:extLst>
           </p:cNvPr>
@@ -6164,7 +6163,7 @@
           <p:cNvPr id="2" name="Title Placeholder 1">
             <a:extLst>
               <a:ext uri="{FF2B5EF4-FFF2-40B4-BE49-F238E27FC236}">
-                <a16:creationId xmlns="" xmlns:a16="http://schemas.microsoft.com/office/drawing/2014/main" id="{2C80DF88-AC53-41A3-8067-D7E6D5DB195F}"/>
+                <a16:creationId xmlns:a16="http://schemas.microsoft.com/office/drawing/2014/main" xmlns="" id="{2C80DF88-AC53-41A3-8067-D7E6D5DB195F}"/>
               </a:ext>
             </a:extLst>
           </p:cNvPr>
@@ -6203,7 +6202,7 @@
           <p:cNvPr id="4" name="Date Placeholder 3">
             <a:extLst>
               <a:ext uri="{FF2B5EF4-FFF2-40B4-BE49-F238E27FC236}">
-                <a16:creationId xmlns="" xmlns:a16="http://schemas.microsoft.com/office/drawing/2014/main" id="{EA4755C1-18CC-4FD3-A030-3DAF469919A6}"/>
+                <a16:creationId xmlns:a16="http://schemas.microsoft.com/office/drawing/2014/main" xmlns="" id="{EA4755C1-18CC-4FD3-A030-3DAF469919A6}"/>
               </a:ext>
             </a:extLst>
           </p:cNvPr>
@@ -6250,7 +6249,7 @@
           <p:cNvPr id="5" name="Footer Placeholder 4">
             <a:extLst>
               <a:ext uri="{FF2B5EF4-FFF2-40B4-BE49-F238E27FC236}">
-                <a16:creationId xmlns="" xmlns:a16="http://schemas.microsoft.com/office/drawing/2014/main" id="{A8E029F1-B791-445F-A184-90CC7A1BEC19}"/>
+                <a16:creationId xmlns:a16="http://schemas.microsoft.com/office/drawing/2014/main" xmlns="" id="{A8E029F1-B791-445F-A184-90CC7A1BEC19}"/>
               </a:ext>
             </a:extLst>
           </p:cNvPr>
@@ -6293,7 +6292,7 @@
           <p:cNvPr id="6" name="Slide Number Placeholder 5">
             <a:extLst>
               <a:ext uri="{FF2B5EF4-FFF2-40B4-BE49-F238E27FC236}">
-                <a16:creationId xmlns="" xmlns:a16="http://schemas.microsoft.com/office/drawing/2014/main" id="{5AD98767-7C9E-42DE-9782-D932A0FF1BF4}"/>
+                <a16:creationId xmlns:a16="http://schemas.microsoft.com/office/drawing/2014/main" xmlns="" id="{5AD98767-7C9E-42DE-9782-D932A0FF1BF4}"/>
               </a:ext>
             </a:extLst>
           </p:cNvPr>
@@ -6727,11 +6726,7 @@
             </a:r>
             <a:r>
               <a:rPr lang="en-US" dirty="0" smtClean="0"/>
-              <a:t> – Task </a:t>
-            </a:r>
-            <a:r>
-              <a:rPr lang="en-US" dirty="0" smtClean="0"/>
-              <a:t>2</a:t>
+              <a:t> – Task 2</a:t>
             </a:r>
             <a:endParaRPr lang="en-US" dirty="0"/>
           </a:p>
@@ -8597,7 +8592,6 @@
               <a:rPr lang="pt-PT" dirty="0" smtClean="0"/>
               <a:t>;</a:t>
             </a:r>
-            <a:endParaRPr lang="pt-PT" dirty="0" smtClean="0"/>
           </a:p>
           <a:p>
             <a:pPr marL="514350" indent="-514350" algn="just">
@@ -8653,7 +8647,6 @@
               <a:rPr lang="en-US" dirty="0" smtClean="0"/>
               <a:t>Decomposition Visualization;</a:t>
             </a:r>
-            <a:endParaRPr lang="en-US" dirty="0" smtClean="0"/>
           </a:p>
           <a:p>
             <a:pPr marL="514350" indent="-514350" algn="just">
@@ -8664,7 +8657,6 @@
               <a:rPr lang="en-US" dirty="0" smtClean="0"/>
               <a:t>Holt Winters Forecasts;</a:t>
             </a:r>
-            <a:endParaRPr lang="en-US" dirty="0" smtClean="0"/>
           </a:p>
           <a:p>
             <a:pPr marL="514350" indent="-514350" algn="just">
@@ -8696,13 +8688,8 @@
             </a:pPr>
             <a:r>
               <a:rPr lang="en-US" dirty="0" smtClean="0"/>
-              <a:t>Summary statement</a:t>
-            </a:r>
-            <a:r>
-              <a:rPr lang="en-US" dirty="0" smtClean="0"/>
-              <a:t>;</a:t>
-            </a:r>
-            <a:endParaRPr lang="en-US" dirty="0" smtClean="0"/>
+              <a:t>Summary statement;</a:t>
+            </a:r>
           </a:p>
           <a:p>
             <a:pPr marL="514350" indent="-514350" algn="just">
@@ -9469,7 +9456,7 @@
             </a:r>
             <a:r>
               <a:rPr lang="pt-PT" sz="2800" dirty="0" err="1" smtClean="0"/>
-              <a:t>should</a:t>
+              <a:t>could</a:t>
             </a:r>
             <a:r>
               <a:rPr lang="pt-PT" sz="2800" dirty="0" smtClean="0"/>
@@ -10010,6 +9997,10 @@
               <a:rPr lang="pt-PT" b="1" dirty="0" err="1" smtClean="0"/>
               <a:t>Recommendations</a:t>
             </a:r>
+            <a:r>
+              <a:rPr lang="pt-PT" b="1" dirty="0" smtClean="0"/>
+              <a:t> 2</a:t>
+            </a:r>
             <a:endParaRPr lang="en-US" b="1" dirty="0"/>
           </a:p>
         </p:txBody>
@@ -10023,7 +10014,7 @@
         <p:spPr>
           <a:xfrm>
             <a:off x="488349" y="1865549"/>
-            <a:ext cx="11013839" cy="4614597"/>
+            <a:ext cx="11013839" cy="4098558"/>
           </a:xfrm>
           <a:prstGeom prst="rect">
             <a:avLst/>
@@ -10048,23 +10039,55 @@
             </a:pPr>
             <a:r>
               <a:rPr lang="pt-PT" sz="2800" dirty="0" err="1" smtClean="0"/>
-              <a:t>The</a:t>
-            </a:r>
-            <a:r>
-              <a:rPr lang="pt-PT" sz="2800" dirty="0" smtClean="0"/>
-              <a:t> </a:t>
-            </a:r>
-            <a:r>
-              <a:rPr lang="pt-PT" sz="2800" dirty="0" err="1" smtClean="0"/>
-              <a:t>appliances</a:t>
-            </a:r>
-            <a:r>
-              <a:rPr lang="pt-PT" sz="2800" dirty="0" smtClean="0"/>
-              <a:t> </a:t>
-            </a:r>
-            <a:r>
-              <a:rPr lang="pt-PT" sz="2800" dirty="0" err="1" smtClean="0"/>
-              <a:t>connected</a:t>
+              <a:t>Granularity</a:t>
+            </a:r>
+            <a:r>
+              <a:rPr lang="pt-PT" sz="2800" dirty="0" smtClean="0"/>
+              <a:t> </a:t>
+            </a:r>
+            <a:r>
+              <a:rPr lang="pt-PT" sz="2800" dirty="0" err="1" smtClean="0"/>
+              <a:t>adjustment</a:t>
+            </a:r>
+            <a:r>
+              <a:rPr lang="pt-PT" sz="2800" dirty="0" smtClean="0"/>
+              <a:t> </a:t>
+            </a:r>
+            <a:r>
+              <a:rPr lang="pt-PT" sz="2800" dirty="0" err="1" smtClean="0"/>
+              <a:t>looking</a:t>
+            </a:r>
+            <a:r>
+              <a:rPr lang="pt-PT" sz="2800" dirty="0" smtClean="0"/>
+              <a:t> </a:t>
+            </a:r>
+            <a:r>
+              <a:rPr lang="pt-PT" sz="2800" dirty="0" err="1" smtClean="0"/>
+              <a:t>into</a:t>
+            </a:r>
+            <a:r>
+              <a:rPr lang="pt-PT" sz="2800" dirty="0" smtClean="0"/>
+              <a:t> a single </a:t>
+            </a:r>
+            <a:r>
+              <a:rPr lang="pt-PT" sz="2800" dirty="0" err="1" smtClean="0"/>
+              <a:t>moment</a:t>
+            </a:r>
+            <a:r>
+              <a:rPr lang="pt-PT" sz="2800" dirty="0" smtClean="0"/>
+              <a:t> does </a:t>
+            </a:r>
+            <a:r>
+              <a:rPr lang="pt-PT" sz="2800" dirty="0" err="1" smtClean="0"/>
+              <a:t>not</a:t>
+            </a:r>
+            <a:r>
+              <a:rPr lang="pt-PT" sz="2800" dirty="0" smtClean="0"/>
+              <a:t> </a:t>
+            </a:r>
+            <a:r>
+              <a:rPr lang="pt-PT" sz="2800" dirty="0" err="1" smtClean="0"/>
+              <a:t>seem</a:t>
             </a:r>
             <a:r>
               <a:rPr lang="pt-PT" sz="2800" dirty="0" smtClean="0"/>
@@ -10072,75 +10095,163 @@
             </a:r>
             <a:r>
               <a:rPr lang="pt-PT" sz="2800" dirty="0" err="1" smtClean="0"/>
-              <a:t>the</a:t>
-            </a:r>
-            <a:r>
-              <a:rPr lang="pt-PT" sz="2800" dirty="0" smtClean="0"/>
-              <a:t> </a:t>
-            </a:r>
-            <a:r>
-              <a:rPr lang="pt-PT" sz="2800" dirty="0" err="1" smtClean="0"/>
-              <a:t>third</a:t>
-            </a:r>
-            <a:r>
-              <a:rPr lang="pt-PT" sz="2800" dirty="0" smtClean="0"/>
-              <a:t> </a:t>
-            </a:r>
-            <a:r>
-              <a:rPr lang="pt-PT" sz="2800" dirty="0" err="1" smtClean="0"/>
-              <a:t>sub-meter</a:t>
-            </a:r>
-            <a:r>
-              <a:rPr lang="pt-PT" sz="2800" dirty="0" smtClean="0"/>
-              <a:t> are </a:t>
-            </a:r>
-            <a:r>
-              <a:rPr lang="pt-PT" sz="2800" dirty="0" err="1" smtClean="0"/>
-              <a:t>by</a:t>
-            </a:r>
-            <a:r>
-              <a:rPr lang="pt-PT" sz="2800" dirty="0" smtClean="0"/>
-              <a:t> </a:t>
-            </a:r>
-            <a:r>
-              <a:rPr lang="pt-PT" sz="2800" dirty="0" err="1" smtClean="0"/>
-              <a:t>far</a:t>
-            </a:r>
-            <a:r>
-              <a:rPr lang="pt-PT" sz="2800" dirty="0" smtClean="0"/>
-              <a:t> </a:t>
-            </a:r>
-            <a:r>
-              <a:rPr lang="pt-PT" sz="2800" dirty="0" err="1" smtClean="0"/>
-              <a:t>the</a:t>
-            </a:r>
-            <a:r>
-              <a:rPr lang="pt-PT" sz="2800" dirty="0" smtClean="0"/>
-              <a:t> </a:t>
-            </a:r>
-            <a:r>
-              <a:rPr lang="pt-PT" sz="2800" dirty="0" err="1" smtClean="0"/>
-              <a:t>ones</a:t>
-            </a:r>
-            <a:r>
-              <a:rPr lang="pt-PT" sz="2800" dirty="0" smtClean="0"/>
-              <a:t> </a:t>
-            </a:r>
-            <a:r>
-              <a:rPr lang="pt-PT" sz="2800" dirty="0" err="1" smtClean="0"/>
-              <a:t>that</a:t>
-            </a:r>
-            <a:r>
-              <a:rPr lang="pt-PT" sz="2800" dirty="0" smtClean="0"/>
-              <a:t> </a:t>
-            </a:r>
-            <a:r>
-              <a:rPr lang="pt-PT" sz="2800" dirty="0" err="1" smtClean="0"/>
-              <a:t>require</a:t>
-            </a:r>
-            <a:r>
-              <a:rPr lang="pt-PT" sz="2800" dirty="0" smtClean="0"/>
-              <a:t> more </a:t>
+              <a:t>be</a:t>
+            </a:r>
+            <a:r>
+              <a:rPr lang="pt-PT" sz="2800" dirty="0" smtClean="0"/>
+              <a:t> ideal </a:t>
+            </a:r>
+            <a:r>
+              <a:rPr lang="pt-PT" sz="2800" dirty="0" err="1" smtClean="0"/>
+              <a:t>because</a:t>
+            </a:r>
+            <a:r>
+              <a:rPr lang="pt-PT" sz="2800" dirty="0" smtClean="0"/>
+              <a:t> too </a:t>
+            </a:r>
+            <a:r>
+              <a:rPr lang="pt-PT" sz="2800" dirty="0" err="1" smtClean="0"/>
+              <a:t>much</a:t>
+            </a:r>
+            <a:r>
+              <a:rPr lang="pt-PT" sz="2800" dirty="0" smtClean="0"/>
+              <a:t> </a:t>
+            </a:r>
+            <a:r>
+              <a:rPr lang="pt-PT" sz="2800" dirty="0" err="1" smtClean="0"/>
+              <a:t>information</a:t>
+            </a:r>
+            <a:r>
+              <a:rPr lang="pt-PT" sz="2800" dirty="0" smtClean="0"/>
+              <a:t> </a:t>
+            </a:r>
+            <a:r>
+              <a:rPr lang="pt-PT" sz="2800" dirty="0" err="1" smtClean="0"/>
+              <a:t>is</a:t>
+            </a:r>
+            <a:r>
+              <a:rPr lang="pt-PT" sz="2800" dirty="0" smtClean="0"/>
+              <a:t> </a:t>
+            </a:r>
+            <a:r>
+              <a:rPr lang="pt-PT" sz="2800" dirty="0" err="1" smtClean="0"/>
+              <a:t>lost</a:t>
+            </a:r>
+            <a:r>
+              <a:rPr lang="pt-PT" sz="2800" dirty="0" smtClean="0"/>
+              <a:t>. </a:t>
+            </a:r>
+            <a:r>
+              <a:rPr lang="pt-PT" sz="2800" dirty="0" err="1" smtClean="0"/>
+              <a:t>Because</a:t>
+            </a:r>
+            <a:r>
+              <a:rPr lang="pt-PT" sz="2800" dirty="0" smtClean="0"/>
+              <a:t> </a:t>
+            </a:r>
+            <a:r>
+              <a:rPr lang="pt-PT" sz="2800" dirty="0" err="1" smtClean="0"/>
+              <a:t>we</a:t>
+            </a:r>
+            <a:r>
+              <a:rPr lang="pt-PT" sz="2800" dirty="0" smtClean="0"/>
+              <a:t> </a:t>
+            </a:r>
+            <a:r>
+              <a:rPr lang="pt-PT" sz="2800" dirty="0" err="1" smtClean="0"/>
+              <a:t>have</a:t>
+            </a:r>
+            <a:r>
+              <a:rPr lang="pt-PT" sz="2800" dirty="0" smtClean="0"/>
+              <a:t> </a:t>
+            </a:r>
+            <a:r>
+              <a:rPr lang="pt-PT" sz="2800" dirty="0" err="1" smtClean="0"/>
+              <a:t>such</a:t>
+            </a:r>
+            <a:r>
+              <a:rPr lang="pt-PT" sz="2800" dirty="0" smtClean="0"/>
+              <a:t> a </a:t>
+            </a:r>
+            <a:r>
+              <a:rPr lang="pt-PT" sz="2800" dirty="0" err="1" smtClean="0"/>
+              <a:t>detailed</a:t>
+            </a:r>
+            <a:r>
+              <a:rPr lang="pt-PT" sz="2800" dirty="0" smtClean="0"/>
+              <a:t> </a:t>
+            </a:r>
+            <a:r>
+              <a:rPr lang="pt-PT" sz="2800" dirty="0" err="1" smtClean="0"/>
+              <a:t>dataset</a:t>
+            </a:r>
+            <a:r>
+              <a:rPr lang="pt-PT" sz="2800" dirty="0" smtClean="0"/>
+              <a:t>, </a:t>
+            </a:r>
+            <a:r>
+              <a:rPr lang="pt-PT" sz="2800" dirty="0" err="1" smtClean="0"/>
+              <a:t>one</a:t>
+            </a:r>
+            <a:r>
+              <a:rPr lang="pt-PT" sz="2800" dirty="0" smtClean="0"/>
+              <a:t> </a:t>
+            </a:r>
+            <a:r>
+              <a:rPr lang="pt-PT" sz="2800" dirty="0" err="1" smtClean="0"/>
+              <a:t>could</a:t>
+            </a:r>
+            <a:r>
+              <a:rPr lang="pt-PT" sz="2800" dirty="0" smtClean="0"/>
+              <a:t> take </a:t>
+            </a:r>
+            <a:r>
+              <a:rPr lang="pt-PT" sz="2800" dirty="0" err="1" smtClean="0"/>
+              <a:t>into</a:t>
+            </a:r>
+            <a:r>
+              <a:rPr lang="pt-PT" sz="2800" dirty="0" smtClean="0"/>
+              <a:t> </a:t>
+            </a:r>
+            <a:r>
+              <a:rPr lang="pt-PT" sz="2800" dirty="0" err="1" smtClean="0"/>
+              <a:t>account</a:t>
+            </a:r>
+            <a:r>
+              <a:rPr lang="pt-PT" sz="2800" dirty="0" smtClean="0"/>
+              <a:t> sums, </a:t>
+            </a:r>
+            <a:r>
+              <a:rPr lang="pt-PT" sz="2800" dirty="0" err="1" smtClean="0"/>
+              <a:t>averages</a:t>
+            </a:r>
+            <a:r>
+              <a:rPr lang="pt-PT" sz="2800" dirty="0" smtClean="0"/>
+              <a:t> </a:t>
+            </a:r>
+            <a:r>
+              <a:rPr lang="pt-PT" sz="2800" dirty="0" err="1" smtClean="0"/>
+              <a:t>or</a:t>
+            </a:r>
+            <a:r>
+              <a:rPr lang="pt-PT" sz="2800" dirty="0" smtClean="0"/>
+              <a:t> </a:t>
+            </a:r>
+            <a:r>
+              <a:rPr lang="pt-PT" sz="2800" dirty="0" err="1" smtClean="0"/>
+              <a:t>medians</a:t>
+            </a:r>
+            <a:r>
+              <a:rPr lang="pt-PT" sz="2800" dirty="0" smtClean="0"/>
+              <a:t> </a:t>
+            </a:r>
+            <a:r>
+              <a:rPr lang="pt-PT" sz="2800" dirty="0" err="1" smtClean="0"/>
+              <a:t>of</a:t>
+            </a:r>
+            <a:r>
+              <a:rPr lang="pt-PT" sz="2800" dirty="0" smtClean="0"/>
+              <a:t> </a:t>
             </a:r>
             <a:r>
               <a:rPr lang="pt-PT" sz="2800" dirty="0" err="1" smtClean="0"/>
@@ -10152,31 +10263,7 @@
             </a:r>
             <a:r>
               <a:rPr lang="pt-PT" sz="2800" dirty="0" err="1" smtClean="0"/>
-              <a:t>and</a:t>
-            </a:r>
-            <a:r>
-              <a:rPr lang="pt-PT" sz="2800" dirty="0" smtClean="0"/>
-              <a:t> are </a:t>
-            </a:r>
-            <a:r>
-              <a:rPr lang="pt-PT" sz="2800" dirty="0" err="1" smtClean="0"/>
-              <a:t>most</a:t>
-            </a:r>
-            <a:r>
-              <a:rPr lang="pt-PT" sz="2800" dirty="0" smtClean="0"/>
-              <a:t> </a:t>
-            </a:r>
-            <a:r>
-              <a:rPr lang="pt-PT" sz="2800" dirty="0" err="1" smtClean="0"/>
-              <a:t>constantly</a:t>
-            </a:r>
-            <a:r>
-              <a:rPr lang="pt-PT" sz="2800" dirty="0" smtClean="0"/>
-              <a:t> </a:t>
-            </a:r>
-            <a:r>
-              <a:rPr lang="pt-PT" sz="2800" dirty="0" err="1" smtClean="0"/>
-              <a:t>used</a:t>
+              <a:t>consumption</a:t>
             </a:r>
             <a:r>
               <a:rPr lang="pt-PT" sz="2800" dirty="0" smtClean="0"/>
@@ -10184,124 +10271,45 @@
             </a:r>
             <a:r>
               <a:rPr lang="pt-PT" sz="2800" dirty="0" err="1" smtClean="0"/>
-              <a:t>If</a:t>
-            </a:r>
-            <a:r>
-              <a:rPr lang="pt-PT" sz="2800" dirty="0" smtClean="0"/>
-              <a:t> </a:t>
-            </a:r>
-            <a:r>
-              <a:rPr lang="pt-PT" sz="2800" dirty="0" err="1" smtClean="0"/>
-              <a:t>the</a:t>
-            </a:r>
-            <a:r>
-              <a:rPr lang="pt-PT" sz="2800" dirty="0" smtClean="0"/>
-              <a:t> </a:t>
-            </a:r>
-            <a:r>
-              <a:rPr lang="pt-PT" sz="2800" dirty="0" err="1" smtClean="0"/>
-              <a:t>owner</a:t>
-            </a:r>
-            <a:r>
-              <a:rPr lang="pt-PT" sz="2800" dirty="0" smtClean="0"/>
-              <a:t> </a:t>
-            </a:r>
-            <a:r>
-              <a:rPr lang="pt-PT" sz="2800" dirty="0" err="1" smtClean="0"/>
-              <a:t>wants</a:t>
-            </a:r>
-            <a:r>
-              <a:rPr lang="pt-PT" sz="2800" dirty="0" smtClean="0"/>
-              <a:t> to </a:t>
-            </a:r>
-            <a:r>
-              <a:rPr lang="pt-PT" sz="2800" dirty="0" err="1" smtClean="0"/>
-              <a:t>reduce</a:t>
-            </a:r>
-            <a:r>
-              <a:rPr lang="pt-PT" sz="2800" dirty="0" smtClean="0"/>
-              <a:t> </a:t>
-            </a:r>
-            <a:r>
-              <a:rPr lang="pt-PT" sz="2800" dirty="0" err="1" smtClean="0"/>
-              <a:t>power</a:t>
-            </a:r>
-            <a:r>
-              <a:rPr lang="pt-PT" sz="2800" dirty="0" smtClean="0"/>
-              <a:t> </a:t>
-            </a:r>
-            <a:r>
-              <a:rPr lang="pt-PT" sz="2800" dirty="0" err="1" smtClean="0"/>
-              <a:t>consumption</a:t>
-            </a:r>
-            <a:r>
-              <a:rPr lang="pt-PT" sz="2800" dirty="0" smtClean="0"/>
-              <a:t>, </a:t>
-            </a:r>
-            <a:r>
-              <a:rPr lang="pt-PT" sz="2800" dirty="0" err="1" smtClean="0"/>
-              <a:t>the</a:t>
-            </a:r>
-            <a:r>
-              <a:rPr lang="pt-PT" sz="2800" dirty="0" smtClean="0"/>
-              <a:t> </a:t>
-            </a:r>
-            <a:r>
-              <a:rPr lang="pt-PT" sz="2800" dirty="0" err="1" smtClean="0"/>
-              <a:t>appliances</a:t>
-            </a:r>
-            <a:r>
-              <a:rPr lang="pt-PT" sz="2800" dirty="0" smtClean="0"/>
-              <a:t> </a:t>
-            </a:r>
-            <a:r>
-              <a:rPr lang="pt-PT" sz="2800" dirty="0" err="1" smtClean="0"/>
-              <a:t>connected</a:t>
-            </a:r>
-            <a:r>
-              <a:rPr lang="pt-PT" sz="2800" dirty="0" smtClean="0"/>
-              <a:t> to </a:t>
-            </a:r>
-            <a:r>
-              <a:rPr lang="pt-PT" sz="2800" dirty="0" err="1" smtClean="0"/>
-              <a:t>this</a:t>
-            </a:r>
-            <a:r>
-              <a:rPr lang="pt-PT" sz="2800" dirty="0" smtClean="0"/>
-              <a:t> </a:t>
-            </a:r>
-            <a:r>
-              <a:rPr lang="pt-PT" sz="2800" dirty="0" err="1" smtClean="0"/>
-              <a:t>sub-meter</a:t>
-            </a:r>
-            <a:r>
-              <a:rPr lang="pt-PT" sz="2800" dirty="0" smtClean="0"/>
-              <a:t> </a:t>
-            </a:r>
-            <a:r>
-              <a:rPr lang="pt-PT" sz="2800" dirty="0" err="1" smtClean="0"/>
-              <a:t>should</a:t>
-            </a:r>
-            <a:r>
-              <a:rPr lang="pt-PT" sz="2800" dirty="0" smtClean="0"/>
-              <a:t> </a:t>
-            </a:r>
-            <a:r>
-              <a:rPr lang="pt-PT" sz="2800" dirty="0" err="1" smtClean="0"/>
-              <a:t>be</a:t>
-            </a:r>
-            <a:r>
-              <a:rPr lang="pt-PT" sz="2800" dirty="0" smtClean="0"/>
-              <a:t> </a:t>
-            </a:r>
-            <a:r>
-              <a:rPr lang="pt-PT" sz="2800" dirty="0" err="1" smtClean="0"/>
-              <a:t>re-thought</a:t>
-            </a:r>
-            <a:r>
-              <a:rPr lang="pt-PT" sz="2800" dirty="0" smtClean="0"/>
-              <a:t>. </a:t>
-            </a:r>
+              <a:t>This</a:t>
+            </a:r>
+            <a:r>
+              <a:rPr lang="pt-PT" sz="2800" dirty="0" smtClean="0"/>
+              <a:t> </a:t>
+            </a:r>
+            <a:r>
+              <a:rPr lang="pt-PT" sz="2800" dirty="0" err="1" smtClean="0"/>
+              <a:t>would</a:t>
+            </a:r>
+            <a:r>
+              <a:rPr lang="pt-PT" sz="2800" dirty="0" smtClean="0"/>
+              <a:t> </a:t>
+            </a:r>
+            <a:r>
+              <a:rPr lang="pt-PT" sz="2800" dirty="0" err="1" smtClean="0"/>
+              <a:t>provide</a:t>
+            </a:r>
+            <a:r>
+              <a:rPr lang="pt-PT" sz="2800" dirty="0" smtClean="0"/>
+              <a:t> a </a:t>
+            </a:r>
+            <a:r>
+              <a:rPr lang="pt-PT" sz="2800" dirty="0" err="1" smtClean="0"/>
+              <a:t>richer</a:t>
+            </a:r>
+            <a:r>
+              <a:rPr lang="pt-PT" sz="2800" dirty="0" smtClean="0"/>
+              <a:t> </a:t>
+            </a:r>
+            <a:r>
+              <a:rPr lang="pt-PT" sz="2800" dirty="0" err="1" smtClean="0"/>
+              <a:t>analysis</a:t>
+            </a:r>
+            <a:r>
+              <a:rPr lang="pt-PT" sz="2800" dirty="0" smtClean="0"/>
+              <a:t>;</a:t>
+            </a:r>
+            <a:endParaRPr lang="pt-PT" sz="2800" dirty="0" smtClean="0"/>
           </a:p>
           <a:p>
             <a:pPr marL="457200" indent="-457200">
@@ -10319,84 +10327,140 @@
               <a:t>The</a:t>
             </a:r>
             <a:r>
-              <a:rPr lang="pt-PT" sz="2800" dirty="0" smtClean="0"/>
-              <a:t> AC </a:t>
-            </a:r>
-            <a:r>
-              <a:rPr lang="pt-PT" sz="2800" dirty="0" err="1" smtClean="0"/>
-              <a:t>and</a:t>
-            </a:r>
-            <a:r>
-              <a:rPr lang="pt-PT" sz="2800" dirty="0" smtClean="0"/>
-              <a:t> </a:t>
-            </a:r>
-            <a:r>
-              <a:rPr lang="pt-PT" sz="2800" dirty="0" err="1" smtClean="0"/>
-              <a:t>water</a:t>
-            </a:r>
-            <a:r>
-              <a:rPr lang="pt-PT" sz="2800" dirty="0" smtClean="0"/>
-              <a:t> </a:t>
-            </a:r>
-            <a:r>
-              <a:rPr lang="pt-PT" sz="2800" dirty="0" err="1" smtClean="0"/>
-              <a:t>heater</a:t>
-            </a:r>
-            <a:r>
-              <a:rPr lang="pt-PT" sz="2800" dirty="0" smtClean="0"/>
-              <a:t> </a:t>
-            </a:r>
-            <a:r>
-              <a:rPr lang="pt-PT" sz="2800" dirty="0" err="1" smtClean="0"/>
-              <a:t>should</a:t>
-            </a:r>
-            <a:r>
-              <a:rPr lang="pt-PT" sz="2800" dirty="0" smtClean="0"/>
-              <a:t> </a:t>
-            </a:r>
-            <a:r>
-              <a:rPr lang="pt-PT" sz="2800" dirty="0" err="1" smtClean="0"/>
-              <a:t>have</a:t>
-            </a:r>
-            <a:r>
-              <a:rPr lang="pt-PT" sz="2800" dirty="0" smtClean="0"/>
-              <a:t> </a:t>
-            </a:r>
-            <a:r>
-              <a:rPr lang="pt-PT" sz="2800" dirty="0" err="1" smtClean="0"/>
-              <a:t>been</a:t>
-            </a:r>
-            <a:r>
-              <a:rPr lang="pt-PT" sz="2800" dirty="0" smtClean="0"/>
-              <a:t> </a:t>
-            </a:r>
-            <a:r>
-              <a:rPr lang="pt-PT" sz="2800" dirty="0" err="1" smtClean="0"/>
-              <a:t>metered</a:t>
-            </a:r>
-            <a:r>
-              <a:rPr lang="pt-PT" sz="2800" dirty="0" smtClean="0"/>
-              <a:t> </a:t>
-            </a:r>
-            <a:r>
-              <a:rPr lang="pt-PT" sz="2800" dirty="0" err="1" smtClean="0"/>
-              <a:t>by</a:t>
-            </a:r>
-            <a:r>
-              <a:rPr lang="pt-PT" sz="2800" dirty="0" smtClean="0"/>
-              <a:t> </a:t>
-            </a:r>
-            <a:r>
-              <a:rPr lang="pt-PT" sz="2800" dirty="0" err="1" smtClean="0"/>
-              <a:t>independent</a:t>
-            </a:r>
-            <a:r>
-              <a:rPr lang="pt-PT" sz="2800" dirty="0" smtClean="0"/>
-              <a:t> </a:t>
-            </a:r>
-            <a:r>
-              <a:rPr lang="pt-PT" sz="2800" dirty="0" err="1" smtClean="0"/>
-              <a:t>sub-meters</a:t>
+              <a:rPr lang="pt-PT" sz="2800" dirty="0"/>
+              <a:t> </a:t>
+            </a:r>
+            <a:r>
+              <a:rPr lang="pt-PT" sz="2800" dirty="0" err="1" smtClean="0"/>
+              <a:t>decomposition</a:t>
+            </a:r>
+            <a:r>
+              <a:rPr lang="pt-PT" sz="2800" dirty="0" smtClean="0"/>
+              <a:t> </a:t>
+            </a:r>
+            <a:r>
+              <a:rPr lang="pt-PT" sz="2800" dirty="0" err="1" smtClean="0"/>
+              <a:t>of</a:t>
+            </a:r>
+            <a:r>
+              <a:rPr lang="pt-PT" sz="2800" dirty="0" smtClean="0"/>
+              <a:t> </a:t>
+            </a:r>
+            <a:r>
+              <a:rPr lang="pt-PT" sz="2800" dirty="0" err="1" smtClean="0"/>
+              <a:t>the</a:t>
+            </a:r>
+            <a:r>
+              <a:rPr lang="pt-PT" sz="2800" dirty="0" smtClean="0"/>
+              <a:t> </a:t>
+            </a:r>
+            <a:r>
+              <a:rPr lang="pt-PT" sz="2800" dirty="0" err="1" smtClean="0"/>
+              <a:t>observed</a:t>
+            </a:r>
+            <a:r>
+              <a:rPr lang="pt-PT" sz="2800" dirty="0" smtClean="0"/>
+              <a:t> </a:t>
+            </a:r>
+            <a:r>
+              <a:rPr lang="pt-PT" sz="2800" dirty="0" err="1" smtClean="0"/>
+              <a:t>signal</a:t>
+            </a:r>
+            <a:r>
+              <a:rPr lang="pt-PT" sz="2800" dirty="0" smtClean="0"/>
+              <a:t> </a:t>
+            </a:r>
+            <a:r>
+              <a:rPr lang="pt-PT" sz="2800" dirty="0" err="1" smtClean="0"/>
+              <a:t>into</a:t>
+            </a:r>
+            <a:r>
+              <a:rPr lang="pt-PT" sz="2800" dirty="0" smtClean="0"/>
+              <a:t> </a:t>
+            </a:r>
+            <a:r>
+              <a:rPr lang="pt-PT" sz="2800" dirty="0" err="1" smtClean="0"/>
+              <a:t>trend</a:t>
+            </a:r>
+            <a:r>
+              <a:rPr lang="pt-PT" sz="2800" dirty="0" smtClean="0"/>
+              <a:t> + </a:t>
+            </a:r>
+            <a:r>
+              <a:rPr lang="pt-PT" sz="2800" dirty="0" err="1" smtClean="0"/>
+              <a:t>seasonal</a:t>
+            </a:r>
+            <a:r>
+              <a:rPr lang="pt-PT" sz="2800" dirty="0" smtClean="0"/>
+              <a:t> + </a:t>
+            </a:r>
+            <a:r>
+              <a:rPr lang="pt-PT" sz="2800" dirty="0" err="1" smtClean="0"/>
+              <a:t>random</a:t>
+            </a:r>
+            <a:r>
+              <a:rPr lang="pt-PT" sz="2800" dirty="0" smtClean="0"/>
+              <a:t> noise </a:t>
+            </a:r>
+            <a:r>
+              <a:rPr lang="pt-PT" sz="2800" dirty="0" err="1" smtClean="0"/>
+              <a:t>could</a:t>
+            </a:r>
+            <a:r>
+              <a:rPr lang="pt-PT" sz="2800" dirty="0" smtClean="0"/>
+              <a:t> </a:t>
+            </a:r>
+            <a:r>
+              <a:rPr lang="pt-PT" sz="2800" dirty="0" err="1" smtClean="0"/>
+              <a:t>be</a:t>
+            </a:r>
+            <a:r>
+              <a:rPr lang="pt-PT" sz="2800" dirty="0" smtClean="0"/>
+              <a:t> </a:t>
+            </a:r>
+            <a:r>
+              <a:rPr lang="pt-PT" sz="2800" dirty="0" err="1" smtClean="0"/>
+              <a:t>extremelly</a:t>
+            </a:r>
+            <a:r>
+              <a:rPr lang="pt-PT" sz="2800" dirty="0" smtClean="0"/>
+              <a:t> </a:t>
+            </a:r>
+            <a:r>
+              <a:rPr lang="pt-PT" sz="2800" dirty="0" err="1" smtClean="0"/>
+              <a:t>valuable</a:t>
+            </a:r>
+            <a:r>
+              <a:rPr lang="pt-PT" sz="2800" dirty="0" smtClean="0"/>
+              <a:t> to </a:t>
+            </a:r>
+            <a:r>
+              <a:rPr lang="pt-PT" sz="2800" dirty="0" err="1" smtClean="0"/>
+              <a:t>the</a:t>
+            </a:r>
+            <a:r>
+              <a:rPr lang="pt-PT" sz="2800" dirty="0" smtClean="0"/>
+              <a:t> cliente. In particular </a:t>
+            </a:r>
+            <a:r>
+              <a:rPr lang="pt-PT" sz="2800" dirty="0" err="1" smtClean="0"/>
+              <a:t>the</a:t>
+            </a:r>
+            <a:r>
+              <a:rPr lang="pt-PT" sz="2800" dirty="0" smtClean="0"/>
+              <a:t> </a:t>
+            </a:r>
+            <a:r>
+              <a:rPr lang="pt-PT" sz="2800" dirty="0" err="1" smtClean="0"/>
+              <a:t>seasonal</a:t>
+            </a:r>
+            <a:r>
+              <a:rPr lang="pt-PT" sz="2800" dirty="0" smtClean="0"/>
+              <a:t> </a:t>
+            </a:r>
+            <a:r>
+              <a:rPr lang="pt-PT" sz="2800" dirty="0" err="1" smtClean="0"/>
+              <a:t>aspect</a:t>
             </a:r>
             <a:r>
               <a:rPr lang="pt-PT" sz="2800" dirty="0" smtClean="0"/>
@@ -10404,163 +10468,39 @@
             </a:r>
             <a:r>
               <a:rPr lang="pt-PT" sz="2800" dirty="0" err="1" smtClean="0"/>
-              <a:t>One</a:t>
-            </a:r>
-            <a:r>
-              <a:rPr lang="pt-PT" sz="2800" dirty="0" smtClean="0"/>
-              <a:t> </a:t>
-            </a:r>
-            <a:r>
-              <a:rPr lang="pt-PT" sz="2800" dirty="0" err="1" smtClean="0"/>
-              <a:t>of</a:t>
-            </a:r>
-            <a:r>
-              <a:rPr lang="pt-PT" sz="2800" dirty="0" smtClean="0"/>
-              <a:t> </a:t>
-            </a:r>
-            <a:r>
-              <a:rPr lang="pt-PT" sz="2800" dirty="0" err="1" smtClean="0"/>
-              <a:t>them</a:t>
-            </a:r>
-            <a:r>
-              <a:rPr lang="pt-PT" sz="2800" dirty="0" smtClean="0"/>
-              <a:t> </a:t>
-            </a:r>
-            <a:r>
-              <a:rPr lang="pt-PT" sz="2800" dirty="0" err="1" smtClean="0"/>
-              <a:t>is</a:t>
-            </a:r>
-            <a:r>
-              <a:rPr lang="pt-PT" sz="2800" dirty="0" smtClean="0"/>
-              <a:t> </a:t>
-            </a:r>
-            <a:r>
-              <a:rPr lang="pt-PT" sz="2800" dirty="0" err="1" smtClean="0"/>
-              <a:t>the</a:t>
-            </a:r>
-            <a:r>
-              <a:rPr lang="pt-PT" sz="2800" dirty="0" smtClean="0"/>
-              <a:t> </a:t>
-            </a:r>
-            <a:r>
-              <a:rPr lang="pt-PT" sz="2800" dirty="0" err="1" smtClean="0"/>
-              <a:t>biggest</a:t>
-            </a:r>
-            <a:r>
-              <a:rPr lang="pt-PT" sz="2800" dirty="0" smtClean="0"/>
-              <a:t> </a:t>
-            </a:r>
-            <a:r>
-              <a:rPr lang="pt-PT" sz="2800" dirty="0" err="1" smtClean="0"/>
-              <a:t>spender</a:t>
-            </a:r>
-            <a:r>
-              <a:rPr lang="pt-PT" sz="2800" dirty="0" smtClean="0"/>
-              <a:t>, </a:t>
-            </a:r>
-            <a:r>
-              <a:rPr lang="pt-PT" sz="2800" dirty="0" err="1" smtClean="0"/>
-              <a:t>this</a:t>
-            </a:r>
-            <a:r>
-              <a:rPr lang="pt-PT" sz="2800" dirty="0" smtClean="0"/>
-              <a:t> </a:t>
-            </a:r>
-            <a:r>
-              <a:rPr lang="pt-PT" sz="2800" dirty="0" err="1" smtClean="0"/>
-              <a:t>way</a:t>
-            </a:r>
-            <a:r>
-              <a:rPr lang="pt-PT" sz="2800" dirty="0" smtClean="0"/>
-              <a:t> </a:t>
-            </a:r>
-            <a:r>
-              <a:rPr lang="pt-PT" sz="2800" dirty="0" err="1" smtClean="0"/>
-              <a:t>it</a:t>
-            </a:r>
-            <a:r>
-              <a:rPr lang="pt-PT" sz="2800" dirty="0" smtClean="0"/>
-              <a:t> </a:t>
-            </a:r>
-            <a:r>
-              <a:rPr lang="pt-PT" sz="2800" dirty="0" err="1" smtClean="0"/>
-              <a:t>is</a:t>
-            </a:r>
-            <a:r>
-              <a:rPr lang="pt-PT" sz="2800" dirty="0" smtClean="0"/>
-              <a:t> </a:t>
-            </a:r>
-            <a:r>
-              <a:rPr lang="pt-PT" sz="2800" dirty="0" err="1" smtClean="0"/>
-              <a:t>not</a:t>
-            </a:r>
-            <a:r>
-              <a:rPr lang="pt-PT" sz="2800" dirty="0" smtClean="0"/>
-              <a:t> clear </a:t>
-            </a:r>
-            <a:r>
-              <a:rPr lang="pt-PT" sz="2800" dirty="0" err="1" smtClean="0"/>
-              <a:t>which</a:t>
-            </a:r>
-            <a:r>
-              <a:rPr lang="pt-PT" sz="2800" dirty="0" smtClean="0"/>
-              <a:t> </a:t>
-            </a:r>
-            <a:r>
-              <a:rPr lang="pt-PT" sz="2800" dirty="0" err="1" smtClean="0"/>
-              <a:t>one</a:t>
-            </a:r>
-            <a:r>
-              <a:rPr lang="pt-PT" sz="2800" dirty="0" smtClean="0"/>
-              <a:t>.</a:t>
-            </a:r>
-          </a:p>
-          <a:p>
-            <a:pPr marL="457200" indent="-457200">
-              <a:lnSpc>
-                <a:spcPct val="90000"/>
-              </a:lnSpc>
-              <a:spcBef>
-                <a:spcPts val="1000"/>
-              </a:spcBef>
-              <a:buFont typeface="Arial" panose="020B0604020202020204" pitchFamily="34" charset="0"/>
-              <a:buChar char="•"/>
-            </a:pPr>
-            <a:r>
-              <a:rPr lang="pt-PT" sz="2800" dirty="0" err="1" smtClean="0"/>
-              <a:t>The</a:t>
-            </a:r>
-            <a:r>
-              <a:rPr lang="pt-PT" sz="2800" dirty="0" smtClean="0"/>
-              <a:t> </a:t>
-            </a:r>
-            <a:r>
-              <a:rPr lang="pt-PT" sz="2800" dirty="0" err="1" smtClean="0"/>
-              <a:t>trends</a:t>
-            </a:r>
-            <a:r>
-              <a:rPr lang="pt-PT" sz="2800" dirty="0" smtClean="0"/>
-              <a:t> </a:t>
-            </a:r>
-            <a:r>
-              <a:rPr lang="pt-PT" sz="2800" dirty="0" err="1" smtClean="0"/>
-              <a:t>of</a:t>
-            </a:r>
-            <a:r>
-              <a:rPr lang="pt-PT" sz="2800" dirty="0" smtClean="0"/>
-              <a:t> </a:t>
-            </a:r>
-            <a:r>
-              <a:rPr lang="pt-PT" sz="2800" dirty="0" err="1" smtClean="0"/>
-              <a:t>each</a:t>
-            </a:r>
-            <a:r>
-              <a:rPr lang="pt-PT" sz="2800" dirty="0" smtClean="0"/>
-              <a:t> </a:t>
-            </a:r>
-            <a:r>
-              <a:rPr lang="pt-PT" sz="2800" dirty="0" err="1" smtClean="0"/>
-              <a:t>sub-meter</a:t>
+              <a:t>Power</a:t>
+            </a:r>
+            <a:r>
+              <a:rPr lang="pt-PT" sz="2800" dirty="0" smtClean="0"/>
+              <a:t> </a:t>
+            </a:r>
+            <a:r>
+              <a:rPr lang="pt-PT" sz="2800" dirty="0" err="1" smtClean="0"/>
+              <a:t>consumption</a:t>
+            </a:r>
+            <a:r>
+              <a:rPr lang="pt-PT" sz="2800" dirty="0" smtClean="0"/>
+              <a:t> </a:t>
+            </a:r>
+            <a:r>
+              <a:rPr lang="pt-PT" sz="2800" dirty="0" err="1" smtClean="0"/>
+              <a:t>related</a:t>
+            </a:r>
+            <a:r>
+              <a:rPr lang="pt-PT" sz="2800" dirty="0" smtClean="0"/>
+              <a:t> to </a:t>
+            </a:r>
+            <a:r>
+              <a:rPr lang="pt-PT" sz="2800" dirty="0" err="1" smtClean="0"/>
+              <a:t>seasonal</a:t>
+            </a:r>
+            <a:r>
+              <a:rPr lang="pt-PT" sz="2800" dirty="0" smtClean="0"/>
+              <a:t> </a:t>
+            </a:r>
+            <a:r>
+              <a:rPr lang="pt-PT" sz="2800" dirty="0" err="1" smtClean="0"/>
+              <a:t>expenditures</a:t>
             </a:r>
             <a:r>
               <a:rPr lang="pt-PT" sz="2800" dirty="0" smtClean="0"/>
@@ -10584,179 +10524,43 @@
             </a:r>
             <a:r>
               <a:rPr lang="pt-PT" sz="2800" dirty="0" err="1" smtClean="0"/>
-              <a:t>connected</a:t>
-            </a:r>
-            <a:r>
-              <a:rPr lang="pt-PT" sz="2800" dirty="0" smtClean="0"/>
-              <a:t> to </a:t>
-            </a:r>
-            <a:r>
-              <a:rPr lang="pt-PT" sz="2800" dirty="0" err="1" smtClean="0"/>
-              <a:t>external</a:t>
-            </a:r>
-            <a:r>
-              <a:rPr lang="pt-PT" sz="2800" dirty="0" smtClean="0"/>
-              <a:t> factos. For </a:t>
-            </a:r>
-            <a:r>
-              <a:rPr lang="pt-PT" sz="2800" dirty="0" err="1" smtClean="0"/>
-              <a:t>instance</a:t>
-            </a:r>
-            <a:r>
-              <a:rPr lang="pt-PT" sz="2800" dirty="0" smtClean="0"/>
-              <a:t>, </a:t>
-            </a:r>
-            <a:r>
-              <a:rPr lang="pt-PT" sz="2800" dirty="0" err="1" smtClean="0"/>
-              <a:t>the</a:t>
-            </a:r>
-            <a:r>
-              <a:rPr lang="pt-PT" sz="2800" dirty="0" smtClean="0"/>
-              <a:t> </a:t>
-            </a:r>
-            <a:r>
-              <a:rPr lang="pt-PT" sz="2800" dirty="0" err="1" smtClean="0"/>
-              <a:t>third</a:t>
-            </a:r>
-            <a:r>
-              <a:rPr lang="pt-PT" sz="2800" dirty="0" smtClean="0"/>
-              <a:t> </a:t>
-            </a:r>
-            <a:r>
-              <a:rPr lang="pt-PT" sz="2800" dirty="0" err="1" smtClean="0"/>
-              <a:t>sub-meter</a:t>
-            </a:r>
-            <a:r>
-              <a:rPr lang="pt-PT" sz="2800" dirty="0" smtClean="0"/>
-              <a:t> </a:t>
-            </a:r>
-            <a:r>
-              <a:rPr lang="pt-PT" sz="2800" dirty="0" err="1" smtClean="0"/>
-              <a:t>could</a:t>
-            </a:r>
-            <a:r>
-              <a:rPr lang="pt-PT" sz="2800" dirty="0" smtClean="0"/>
-              <a:t> </a:t>
-            </a:r>
-            <a:r>
-              <a:rPr lang="pt-PT" sz="2800" dirty="0" err="1" smtClean="0"/>
-              <a:t>be</a:t>
-            </a:r>
-            <a:r>
-              <a:rPr lang="pt-PT" sz="2800" dirty="0" smtClean="0"/>
-              <a:t> </a:t>
-            </a:r>
-            <a:r>
-              <a:rPr lang="pt-PT" sz="2800" dirty="0" err="1" smtClean="0"/>
-              <a:t>correlated</a:t>
-            </a:r>
-            <a:r>
-              <a:rPr lang="pt-PT" sz="2800" dirty="0" smtClean="0"/>
-              <a:t> to </a:t>
-            </a:r>
-            <a:r>
-              <a:rPr lang="pt-PT" sz="2800" dirty="0" err="1" smtClean="0"/>
-              <a:t>the</a:t>
-            </a:r>
-            <a:r>
-              <a:rPr lang="pt-PT" sz="2800" dirty="0" smtClean="0"/>
-              <a:t> outsider </a:t>
-            </a:r>
-            <a:r>
-              <a:rPr lang="pt-PT" sz="2800" dirty="0" err="1" smtClean="0"/>
-              <a:t>temperature</a:t>
-            </a:r>
-            <a:r>
-              <a:rPr lang="pt-PT" sz="2800" dirty="0" smtClean="0"/>
-              <a:t>. </a:t>
-            </a:r>
-            <a:r>
-              <a:rPr lang="pt-PT" sz="2800" dirty="0" err="1" smtClean="0"/>
-              <a:t>These</a:t>
-            </a:r>
-            <a:r>
-              <a:rPr lang="pt-PT" sz="2800" dirty="0" smtClean="0"/>
-              <a:t> factos </a:t>
-            </a:r>
-            <a:r>
-              <a:rPr lang="pt-PT" sz="2800" dirty="0" err="1" smtClean="0"/>
-              <a:t>should</a:t>
-            </a:r>
-            <a:r>
-              <a:rPr lang="pt-PT" sz="2800" dirty="0" smtClean="0"/>
-              <a:t> </a:t>
-            </a:r>
-            <a:r>
-              <a:rPr lang="pt-PT" sz="2800" dirty="0" err="1" smtClean="0"/>
-              <a:t>be</a:t>
-            </a:r>
-            <a:r>
-              <a:rPr lang="pt-PT" sz="2800" dirty="0" smtClean="0"/>
-              <a:t> </a:t>
-            </a:r>
-            <a:r>
-              <a:rPr lang="pt-PT" sz="2800" dirty="0" err="1" smtClean="0"/>
-              <a:t>taken</a:t>
-            </a:r>
-            <a:r>
-              <a:rPr lang="pt-PT" sz="2800" dirty="0" smtClean="0"/>
-              <a:t> </a:t>
-            </a:r>
-            <a:r>
-              <a:rPr lang="pt-PT" sz="2800" dirty="0" err="1" smtClean="0"/>
-              <a:t>into</a:t>
-            </a:r>
-            <a:r>
-              <a:rPr lang="pt-PT" sz="2800" dirty="0" smtClean="0"/>
-              <a:t> </a:t>
-            </a:r>
-            <a:r>
-              <a:rPr lang="pt-PT" sz="2800" dirty="0" err="1" smtClean="0"/>
-              <a:t>account</a:t>
-            </a:r>
-            <a:r>
-              <a:rPr lang="pt-PT" sz="2800" dirty="0" smtClean="0"/>
-              <a:t> </a:t>
-            </a:r>
-            <a:r>
-              <a:rPr lang="pt-PT" sz="2800" dirty="0" err="1" smtClean="0"/>
-              <a:t>before</a:t>
-            </a:r>
-            <a:r>
-              <a:rPr lang="pt-PT" sz="2800" dirty="0" smtClean="0"/>
-              <a:t> </a:t>
-            </a:r>
-            <a:r>
-              <a:rPr lang="pt-PT" sz="2800" dirty="0" err="1" smtClean="0"/>
-              <a:t>making</a:t>
-            </a:r>
-            <a:r>
-              <a:rPr lang="pt-PT" sz="2800" dirty="0" smtClean="0"/>
-              <a:t> </a:t>
-            </a:r>
-            <a:r>
-              <a:rPr lang="pt-PT" sz="2800" dirty="0" err="1" smtClean="0"/>
-              <a:t>any</a:t>
-            </a:r>
-            <a:r>
-              <a:rPr lang="pt-PT" sz="2800" dirty="0" smtClean="0"/>
-              <a:t> </a:t>
-            </a:r>
-            <a:r>
-              <a:rPr lang="pt-PT" sz="2800" dirty="0" err="1" smtClean="0"/>
-              <a:t>big</a:t>
-            </a:r>
-            <a:r>
-              <a:rPr lang="pt-PT" sz="2800" dirty="0" smtClean="0"/>
-              <a:t> </a:t>
-            </a:r>
-            <a:r>
-              <a:rPr lang="pt-PT" sz="2800" dirty="0" err="1" smtClean="0"/>
-              <a:t>decision</a:t>
-            </a:r>
-            <a:r>
-              <a:rPr lang="pt-PT" sz="2800" dirty="0" smtClean="0"/>
-              <a:t>.</a:t>
+              <a:t>easily</a:t>
+            </a:r>
+            <a:r>
+              <a:rPr lang="pt-PT" sz="2800" dirty="0" smtClean="0"/>
+              <a:t> </a:t>
+            </a:r>
+            <a:r>
+              <a:rPr lang="pt-PT" sz="2800" dirty="0" err="1" smtClean="0"/>
+              <a:t>corrected</a:t>
+            </a:r>
+            <a:r>
+              <a:rPr lang="pt-PT" sz="2800" dirty="0" smtClean="0"/>
+              <a:t> </a:t>
+            </a:r>
+            <a:r>
+              <a:rPr lang="pt-PT" sz="2800" dirty="0" err="1" smtClean="0"/>
+              <a:t>with</a:t>
+            </a:r>
+            <a:r>
+              <a:rPr lang="pt-PT" sz="2800" dirty="0" smtClean="0"/>
+              <a:t> a more </a:t>
+            </a:r>
+            <a:r>
+              <a:rPr lang="pt-PT" sz="2800" dirty="0" err="1" smtClean="0"/>
+              <a:t>eficient</a:t>
+            </a:r>
+            <a:r>
+              <a:rPr lang="pt-PT" sz="2800" dirty="0" smtClean="0"/>
+              <a:t> </a:t>
+            </a:r>
+            <a:r>
+              <a:rPr lang="pt-PT" sz="2800" dirty="0" err="1" smtClean="0"/>
+              <a:t>appliance</a:t>
+            </a:r>
+            <a:r>
+              <a:rPr lang="pt-PT" sz="2800" dirty="0" smtClean="0"/>
+              <a:t>(s).</a:t>
             </a:r>
             <a:endParaRPr lang="en-US" sz="2800" dirty="0" smtClean="0"/>
           </a:p>
@@ -10766,74 +10570,6 @@
     <p:extLst>
       <p:ext uri="{BB962C8B-B14F-4D97-AF65-F5344CB8AC3E}">
         <p14:creationId xmlns:p14="http://schemas.microsoft.com/office/powerpoint/2010/main" val="3827452458"/>
-      </p:ext>
-    </p:extLst>
-  </p:cSld>
-  <p:clrMapOvr>
-    <a:masterClrMapping/>
-  </p:clrMapOvr>
-</p:sld>
-</file>
-
-<file path=ppt/slides/slide23.xml><?xml version="1.0" encoding="utf-8"?>
-<p:sld xmlns:a="http://schemas.openxmlformats.org/drawingml/2006/main" xmlns:r="http://schemas.openxmlformats.org/officeDocument/2006/relationships" xmlns:p="http://schemas.openxmlformats.org/presentationml/2006/main">
-  <p:cSld>
-    <p:spTree>
-      <p:nvGrpSpPr>
-        <p:cNvPr id="1" name=""/>
-        <p:cNvGrpSpPr/>
-        <p:nvPr/>
-      </p:nvGrpSpPr>
-      <p:grpSpPr>
-        <a:xfrm>
-          <a:off x="0" y="0"/>
-          <a:ext cx="0" cy="0"/>
-          <a:chOff x="0" y="0"/>
-          <a:chExt cx="0" cy="0"/>
-        </a:xfrm>
-      </p:grpSpPr>
-      <p:sp>
-        <p:nvSpPr>
-          <p:cNvPr id="2" name="Title 1"/>
-          <p:cNvSpPr>
-            <a:spLocks noGrp="1"/>
-          </p:cNvSpPr>
-          <p:nvPr>
-            <p:ph type="title"/>
-          </p:nvPr>
-        </p:nvSpPr>
-        <p:spPr/>
-        <p:txBody>
-          <a:bodyPr/>
-          <a:lstStyle/>
-          <a:p>
-            <a:endParaRPr lang="en-US"/>
-          </a:p>
-        </p:txBody>
-      </p:sp>
-      <p:sp>
-        <p:nvSpPr>
-          <p:cNvPr id="3" name="Content Placeholder 2"/>
-          <p:cNvSpPr>
-            <a:spLocks noGrp="1"/>
-          </p:cNvSpPr>
-          <p:nvPr>
-            <p:ph idx="1"/>
-          </p:nvPr>
-        </p:nvSpPr>
-        <p:spPr/>
-        <p:txBody>
-          <a:bodyPr/>
-          <a:lstStyle/>
-          <a:p>
-            <a:endParaRPr lang="en-US"/>
-          </a:p>
-        </p:txBody>
-      </p:sp>
-    </p:spTree>
-    <p:extLst>
-      <p:ext uri="{BB962C8B-B14F-4D97-AF65-F5344CB8AC3E}">
-        <p14:creationId xmlns:p14="http://schemas.microsoft.com/office/powerpoint/2010/main" val="4188254145"/>
       </p:ext>
     </p:extLst>
   </p:cSld>
@@ -10905,11 +10641,7 @@
             </a:r>
             <a:r>
               <a:rPr lang="pt-PT" b="1" dirty="0" err="1" smtClean="0"/>
-              <a:t>consumptio</a:t>
-            </a:r>
-            <a:r>
-              <a:rPr lang="pt-PT" b="1" dirty="0" err="1" smtClean="0"/>
-              <a:t>n</a:t>
+              <a:t>consumption</a:t>
             </a:r>
             <a:r>
               <a:rPr lang="pt-PT" b="1" dirty="0" smtClean="0"/>
@@ -11061,11 +10793,7 @@
             </a:r>
             <a:r>
               <a:rPr lang="pt-PT" b="1" dirty="0" err="1" smtClean="0"/>
-              <a:t>consumptio</a:t>
-            </a:r>
-            <a:r>
-              <a:rPr lang="pt-PT" b="1" dirty="0" err="1" smtClean="0"/>
-              <a:t>n</a:t>
+              <a:t>consumption</a:t>
             </a:r>
             <a:r>
               <a:rPr lang="pt-PT" b="1" dirty="0" smtClean="0"/>
@@ -11218,11 +10946,7 @@
             </a:r>
             <a:r>
               <a:rPr lang="pt-PT" b="1" dirty="0" err="1" smtClean="0"/>
-              <a:t>consumptio</a:t>
-            </a:r>
-            <a:r>
-              <a:rPr lang="pt-PT" b="1" dirty="0" err="1" smtClean="0"/>
-              <a:t>n</a:t>
+              <a:t>consumption</a:t>
             </a:r>
             <a:r>
               <a:rPr lang="pt-PT" b="1" dirty="0" smtClean="0"/>
@@ -11437,7 +11161,6 @@
               <a:rPr lang="en-US" sz="2800" dirty="0"/>
               <a:t>pm</a:t>
             </a:r>
-            <a:endParaRPr lang="en-US" sz="2800" dirty="0"/>
           </a:p>
         </p:txBody>
       </p:sp>
@@ -11546,11 +11269,7 @@
             </a:r>
             <a:r>
               <a:rPr lang="pt-PT" b="1" dirty="0" smtClean="0"/>
-              <a:t> </a:t>
-            </a:r>
-            <a:r>
-              <a:rPr lang="pt-PT" b="1" dirty="0" smtClean="0"/>
-              <a:t>2:</a:t>
+              <a:t> 2:</a:t>
             </a:r>
             <a:endParaRPr lang="en-US" b="1" dirty="0"/>
           </a:p>
@@ -11697,11 +11416,7 @@
             </a:r>
             <a:r>
               <a:rPr lang="pt-PT" b="1" dirty="0" smtClean="0"/>
-              <a:t> </a:t>
-            </a:r>
-            <a:r>
-              <a:rPr lang="pt-PT" b="1" dirty="0" smtClean="0"/>
-              <a:t>3:</a:t>
+              <a:t> 3:</a:t>
             </a:r>
             <a:endParaRPr lang="en-US" b="1" dirty="0"/>
           </a:p>
